--- a/11 Regression/11_regression.pptx
+++ b/11 Regression/11_regression.pptx
@@ -6,10 +6,14 @@
   </p:sldMasterIdLst>
   <p:sldIdLst>
     <p:sldId id="256" r:id="rId2"/>
-    <p:sldId id="379" r:id="rId3"/>
-    <p:sldId id="478" r:id="rId4"/>
-    <p:sldId id="479" r:id="rId5"/>
-    <p:sldId id="470" r:id="rId6"/>
+    <p:sldId id="481" r:id="rId3"/>
+    <p:sldId id="511" r:id="rId4"/>
+    <p:sldId id="508" r:id="rId5"/>
+    <p:sldId id="510" r:id="rId6"/>
+    <p:sldId id="478" r:id="rId7"/>
+    <p:sldId id="479" r:id="rId8"/>
+    <p:sldId id="517" r:id="rId9"/>
+    <p:sldId id="470" r:id="rId10"/>
   </p:sldIdLst>
   <p:sldSz cx="9144000" cy="6858000" type="screen4x3"/>
   <p:notesSz cx="6858000" cy="9144000"/>
@@ -5090,75 +5094,103 @@
         </p:nvSpPr>
         <p:spPr>
           <a:xfrm>
-            <a:off x="838200" y="1295400"/>
-            <a:ext cx="8305800" cy="5562600"/>
+            <a:off x="609600" y="1143000"/>
+            <a:ext cx="8534400" cy="5715000"/>
           </a:xfrm>
         </p:spPr>
         <p:txBody>
           <a:bodyPr>
-            <a:normAutofit/>
+            <a:normAutofit lnSpcReduction="10000"/>
           </a:bodyPr>
           <a:lstStyle/>
           <a:p>
             <a:r>
               <a:rPr lang="en-US" sz="3000" dirty="0"/>
-              <a:t>Simple and multiple linear models: basics, visualization, interpretation</a:t>
+              <a:t>Simple Linear Regression (OLS)</a:t>
+            </a:r>
+          </a:p>
+          <a:p>
+            <a:pPr lvl="1"/>
+            <a:r>
+              <a:rPr lang="en-US" sz="2600" dirty="0"/>
+              <a:t>Basic idea</a:t>
+            </a:r>
+          </a:p>
+          <a:p>
+            <a:pPr lvl="1"/>
+            <a:r>
+              <a:rPr lang="en-US" sz="2600" dirty="0"/>
+              <a:t>Results (output) interpretation</a:t>
+            </a:r>
+          </a:p>
+          <a:p>
+            <a:pPr lvl="1"/>
+            <a:r>
+              <a:rPr lang="en-US" sz="2600" dirty="0"/>
+              <a:t>Implications of the model</a:t>
             </a:r>
           </a:p>
           <a:p>
             <a:r>
               <a:rPr lang="en-US" sz="3000" dirty="0"/>
-              <a:t>Converting linear models results into tidy format with `broom` package</a:t>
-            </a:r>
-          </a:p>
-          <a:p>
-            <a:r>
-              <a:rPr lang="en-US" sz="3000" dirty="0"/>
-              <a:t>Linear regression assumptions and corrective measures</a:t>
-            </a:r>
-          </a:p>
-          <a:p>
-            <a:r>
-              <a:rPr lang="en-US" sz="3000" dirty="0"/>
-              <a:t>Linear regression model selection</a:t>
-            </a:r>
-          </a:p>
-          <a:p>
-            <a:r>
-              <a:rPr lang="en-US" sz="3000" dirty="0"/>
-              <a:t>Case study on linear regression</a:t>
-            </a:r>
-          </a:p>
-          <a:p>
-            <a:r>
-              <a:rPr lang="en-US" sz="3000" dirty="0"/>
-              <a:t>Logistic regression</a:t>
-            </a:r>
-          </a:p>
-          <a:p>
-            <a:endParaRPr lang="en-US" sz="3000" dirty="0"/>
-          </a:p>
-          <a:p>
-            <a:pPr marL="82296" indent="0">
-              <a:lnSpc>
-                <a:spcPct val="110000"/>
-              </a:lnSpc>
-              <a:buNone/>
-            </a:pPr>
-            <a:endParaRPr lang="en-US" sz="2400" dirty="0"/>
-          </a:p>
-          <a:p>
-            <a:pPr marL="82296" indent="0">
-              <a:buNone/>
-            </a:pPr>
-            <a:endParaRPr lang="ro-RO" sz="3000" dirty="0"/>
+              <a:t>Multiple Linear Regression (OLS)</a:t>
+            </a:r>
+          </a:p>
+          <a:p>
+            <a:pPr lvl="1"/>
+            <a:r>
+              <a:rPr lang="en-US" sz="2600" dirty="0"/>
+              <a:t>Basic idea</a:t>
+            </a:r>
+          </a:p>
+          <a:p>
+            <a:pPr lvl="1"/>
+            <a:r>
+              <a:rPr lang="en-US" sz="2600" dirty="0"/>
+              <a:t>Results (output) interpretation</a:t>
+            </a:r>
+          </a:p>
+          <a:p>
+            <a:pPr lvl="1"/>
+            <a:r>
+              <a:rPr lang="en-US" sz="2600" dirty="0"/>
+              <a:t>Categorical Predictors</a:t>
+            </a:r>
+          </a:p>
+          <a:p>
+            <a:pPr lvl="1"/>
+            <a:r>
+              <a:rPr lang="en-US" sz="2600" dirty="0"/>
+              <a:t>Assumptions/Diagnostics</a:t>
+            </a:r>
+          </a:p>
+          <a:p>
+            <a:pPr lvl="1"/>
+            <a:r>
+              <a:rPr lang="en-US" sz="2600" dirty="0"/>
+              <a:t>Corrective Measures</a:t>
+            </a:r>
+          </a:p>
+          <a:p>
+            <a:pPr lvl="1"/>
+            <a:r>
+              <a:rPr lang="en-US" sz="2600" dirty="0"/>
+              <a:t>Interaction among predictors</a:t>
+            </a:r>
+          </a:p>
+          <a:p>
+            <a:pPr lvl="1"/>
+            <a:r>
+              <a:rPr lang="en-US" sz="2600" dirty="0"/>
+              <a:t>Implications of the model</a:t>
+            </a:r>
           </a:p>
         </p:txBody>
       </p:sp>
     </p:spTree>
     <p:extLst>
       <p:ext uri="{BB962C8B-B14F-4D97-AF65-F5344CB8AC3E}">
-        <p14:creationId xmlns:p14="http://schemas.microsoft.com/office/powerpoint/2010/main" val="1682752145"/>
+        <p14:creationId xmlns:p14="http://schemas.microsoft.com/office/powerpoint/2010/main" val="1345377405"/>
       </p:ext>
     </p:extLst>
   </p:cSld>
@@ -5200,8 +5232,8 @@
         </p:nvSpPr>
         <p:spPr>
           <a:xfrm>
-            <a:off x="533400" y="0"/>
-            <a:ext cx="8382000" cy="1219200"/>
+            <a:off x="304800" y="152400"/>
+            <a:ext cx="8686800" cy="1143000"/>
           </a:xfrm>
         </p:spPr>
         <p:txBody>
@@ -5212,18 +5244,13 @@
           <a:p>
             <a:pPr algn="ctr"/>
             <a:r>
-              <a:rPr lang="en-US" dirty="0">
+              <a:rPr lang="en-US" sz="3600" b="1" dirty="0">
                 <a:latin typeface="Arial Unicode MS" panose="020B0604020202020204" pitchFamily="34" charset="-128"/>
                 <a:ea typeface="Arial Unicode MS" panose="020B0604020202020204" pitchFamily="34" charset="-128"/>
                 <a:cs typeface="Arial Unicode MS" panose="020B0604020202020204" pitchFamily="34" charset="-128"/>
               </a:rPr>
-              <a:t>Resources on Linear Regression</a:t>
-            </a:r>
-            <a:endParaRPr lang="en-US" sz="3600" b="1" dirty="0">
-              <a:latin typeface="Arial Unicode MS" panose="020B0604020202020204" pitchFamily="34" charset="-128"/>
-              <a:ea typeface="Arial Unicode MS" panose="020B0604020202020204" pitchFamily="34" charset="-128"/>
-              <a:cs typeface="Arial Unicode MS" panose="020B0604020202020204" pitchFamily="34" charset="-128"/>
-            </a:endParaRPr>
+              <a:t>Agenda (cont.)</a:t>
+            </a:r>
           </a:p>
         </p:txBody>
       </p:sp>
@@ -5239,341 +5266,51 @@
         </p:nvSpPr>
         <p:spPr>
           <a:xfrm>
-            <a:off x="685800" y="1295400"/>
-            <a:ext cx="8382000" cy="5486400"/>
+            <a:off x="609600" y="1143000"/>
+            <a:ext cx="8534400" cy="5715000"/>
           </a:xfrm>
         </p:spPr>
         <p:txBody>
           <a:bodyPr>
-            <a:normAutofit fontScale="62500" lnSpcReduction="20000"/>
+            <a:normAutofit/>
           </a:bodyPr>
           <a:lstStyle/>
           <a:p>
-            <a:pPr>
-              <a:lnSpc>
-                <a:spcPct val="110000"/>
-              </a:lnSpc>
-            </a:pPr>
             <a:r>
               <a:rPr lang="en-US" sz="3000" dirty="0"/>
-              <a:t>Jeff Webb - </a:t>
-            </a:r>
-            <a:r>
-              <a:rPr lang="en-US" sz="3000" i="1" dirty="0"/>
-              <a:t>Course Notes for IS 6489, Statistics and Predictive Analytics</a:t>
-            </a:r>
+              <a:t>Converting linear models results into tidy format with `broom` package</a:t>
+            </a:r>
+          </a:p>
+          <a:p>
             <a:r>
               <a:rPr lang="en-US" sz="3000" dirty="0"/>
-              <a:t> (2017)</a:t>
-            </a:r>
-          </a:p>
-          <a:p>
-            <a:pPr lvl="1">
-              <a:lnSpc>
-                <a:spcPct val="110000"/>
-              </a:lnSpc>
-            </a:pPr>
-            <a:r>
-              <a:rPr lang="en-US" sz="2600" dirty="0"/>
-              <a:t>Chapter 6 Linear Regression</a:t>
-            </a:r>
-          </a:p>
-          <a:p>
-            <a:pPr marL="403225" lvl="1" indent="0">
-              <a:lnSpc>
-                <a:spcPct val="110000"/>
-              </a:lnSpc>
-              <a:buNone/>
-            </a:pPr>
-            <a:r>
-              <a:rPr lang="en-US" sz="2600" dirty="0">
-                <a:hlinkClick r:id="rId2"/>
-              </a:rPr>
-              <a:t>https://bookdown.org/jefftemplewebb/IS-6489/linear-regression.html</a:t>
-            </a:r>
-            <a:endParaRPr lang="en-US" sz="2600" dirty="0"/>
-          </a:p>
-          <a:p>
-            <a:pPr>
-              <a:lnSpc>
-                <a:spcPct val="110000"/>
-              </a:lnSpc>
-            </a:pPr>
-            <a:endParaRPr lang="en-US" sz="3000" dirty="0"/>
-          </a:p>
-          <a:p>
-            <a:pPr>
-              <a:lnSpc>
-                <a:spcPct val="110000"/>
-              </a:lnSpc>
-            </a:pPr>
+              <a:t>Linear regression model selection</a:t>
+            </a:r>
+          </a:p>
+          <a:p>
             <a:r>
               <a:rPr lang="en-US" sz="3000" dirty="0"/>
-              <a:t>Chester </a:t>
-            </a:r>
-            <a:r>
-              <a:rPr lang="en-US" sz="3000" dirty="0" err="1"/>
-              <a:t>Ismay</a:t>
-            </a:r>
+              <a:t>Case study on linear regression</a:t>
+            </a:r>
+          </a:p>
+          <a:p>
             <a:r>
               <a:rPr lang="en-US" sz="3000" dirty="0"/>
-              <a:t>, Albert Y. Kim, Frank </a:t>
-            </a:r>
-            <a:r>
-              <a:rPr lang="en-US" sz="3000" dirty="0" err="1"/>
-              <a:t>McGrade</a:t>
-            </a:r>
+              <a:t>Logistic regression</a:t>
+            </a:r>
+          </a:p>
+          <a:p>
             <a:r>
               <a:rPr lang="en-US" sz="3000" dirty="0"/>
-              <a:t> - </a:t>
-            </a:r>
-            <a:r>
-              <a:rPr lang="en-US" sz="3000" i="1" dirty="0"/>
-              <a:t>An Introduction to Statistical and Data Sciences via R</a:t>
-            </a:r>
-            <a:r>
-              <a:rPr lang="en-US" sz="3000" dirty="0"/>
-              <a:t> (2017)</a:t>
-            </a:r>
-          </a:p>
-          <a:p>
-            <a:pPr lvl="1">
-              <a:lnSpc>
-                <a:spcPct val="110000"/>
-              </a:lnSpc>
-            </a:pPr>
-            <a:r>
-              <a:rPr lang="en-US" sz="2600" dirty="0"/>
-              <a:t>6 Data Modeling using Regression via broom</a:t>
-            </a:r>
-          </a:p>
-          <a:p>
-            <a:pPr marL="403225" lvl="1" indent="0">
-              <a:lnSpc>
-                <a:spcPct val="110000"/>
-              </a:lnSpc>
-              <a:buNone/>
-            </a:pPr>
-            <a:r>
-              <a:rPr lang="en-US" sz="2600" dirty="0">
-                <a:hlinkClick r:id="rId3"/>
-              </a:rPr>
-              <a:t>https://bookdown.org/fjmcgrade/ismaykim/6-regression.html</a:t>
-            </a:r>
-            <a:endParaRPr lang="en-US" sz="2600" dirty="0"/>
-          </a:p>
-          <a:p>
-            <a:pPr marL="403225" lvl="1" indent="0">
-              <a:lnSpc>
-                <a:spcPct val="110000"/>
-              </a:lnSpc>
-              <a:buNone/>
-            </a:pPr>
-            <a:endParaRPr lang="en-US" sz="2600" dirty="0"/>
-          </a:p>
-          <a:p>
-            <a:pPr>
-              <a:lnSpc>
-                <a:spcPct val="110000"/>
-              </a:lnSpc>
-            </a:pPr>
-            <a:r>
-              <a:rPr lang="en-US" sz="3000" dirty="0"/>
-              <a:t>J. Legler and P. Roback - </a:t>
-            </a:r>
-            <a:r>
-              <a:rPr lang="en-US" sz="3000" i="1" dirty="0"/>
-              <a:t>Broadening Your Statistical Horizons. Generalized Linear Models and Multilevel Models</a:t>
-            </a:r>
-            <a:r>
-              <a:rPr lang="en-US" sz="3000" dirty="0"/>
-              <a:t> (2018)</a:t>
-            </a:r>
-          </a:p>
-          <a:p>
-            <a:pPr lvl="1">
-              <a:lnSpc>
-                <a:spcPct val="110000"/>
-              </a:lnSpc>
-            </a:pPr>
-            <a:r>
-              <a:rPr lang="en-US" sz="2600" dirty="0"/>
-              <a:t>Chapter 1 Review of Multiple Linear Regression</a:t>
-            </a:r>
-          </a:p>
-          <a:p>
-            <a:pPr marL="403225" lvl="1" indent="0">
-              <a:lnSpc>
-                <a:spcPct val="110000"/>
-              </a:lnSpc>
-              <a:buNone/>
-            </a:pPr>
-            <a:r>
-              <a:rPr lang="en-US" sz="2600" dirty="0">
-                <a:hlinkClick r:id="rId4"/>
-              </a:rPr>
-              <a:t>https://bookdown.org/roback/bookdown-bysh/ch-MLRreview.html#explore</a:t>
-            </a:r>
-            <a:endParaRPr lang="en-US" sz="2600" dirty="0"/>
-          </a:p>
-          <a:p>
-            <a:pPr marL="403225" lvl="1" indent="0">
-              <a:lnSpc>
-                <a:spcPct val="110000"/>
-              </a:lnSpc>
-              <a:buNone/>
-            </a:pPr>
-            <a:endParaRPr lang="en-US" sz="2600" dirty="0"/>
-          </a:p>
-          <a:p>
-            <a:pPr>
-              <a:lnSpc>
-                <a:spcPct val="110000"/>
-              </a:lnSpc>
-            </a:pPr>
-            <a:r>
-              <a:rPr lang="en-US" sz="3000" dirty="0">
-                <a:hlinkClick r:id="rId5">
-                  <a:extLst>
-                    <a:ext uri="{A12FA001-AC4F-418D-AE19-62706E023703}">
-                      <ahyp:hlinkClr xmlns:ahyp="http://schemas.microsoft.com/office/drawing/2018/hyperlinkcolor" val="tx"/>
-                    </a:ext>
-                  </a:extLst>
-                </a:hlinkClick>
-              </a:rPr>
-              <a:t>Christopher Prener - Quantitative Analysis - Applied Inferential Statistics (lectures 12-14) </a:t>
-            </a:r>
-            <a:endParaRPr lang="en-US" sz="2600" dirty="0"/>
-          </a:p>
-          <a:p>
-            <a:pPr marL="403225" lvl="1" indent="0">
-              <a:lnSpc>
-                <a:spcPct val="110000"/>
-              </a:lnSpc>
-              <a:buNone/>
-            </a:pPr>
-            <a:r>
-              <a:rPr lang="en-US" sz="2600" dirty="0">
-                <a:hlinkClick r:id="rId5">
-                  <a:extLst>
-                    <a:ext uri="{A12FA001-AC4F-418D-AE19-62706E023703}">
-                      <ahyp:hlinkClr xmlns:ahyp="http://schemas.microsoft.com/office/drawing/2018/hyperlinkcolor" val="tx"/>
-                    </a:ext>
-                  </a:extLst>
-                </a:hlinkClick>
-              </a:rPr>
-              <a:t>https://slu-soc5050.github.io/lecture-12/</a:t>
-            </a:r>
-            <a:endParaRPr lang="en-US" sz="2600" dirty="0"/>
-          </a:p>
-          <a:p>
-            <a:pPr marL="403225" lvl="1" indent="0">
-              <a:lnSpc>
-                <a:spcPct val="110000"/>
-              </a:lnSpc>
-              <a:buNone/>
-            </a:pPr>
-            <a:endParaRPr lang="en-US" sz="2600" dirty="0"/>
-          </a:p>
-          <a:p>
-            <a:pPr marL="403225" lvl="1" indent="0">
-              <a:lnSpc>
-                <a:spcPct val="110000"/>
-              </a:lnSpc>
-              <a:buNone/>
-            </a:pPr>
-            <a:endParaRPr lang="en-US" sz="2600" dirty="0"/>
-          </a:p>
-          <a:p>
-            <a:pPr marL="403225" lvl="1" indent="0">
-              <a:lnSpc>
-                <a:spcPct val="110000"/>
-              </a:lnSpc>
-              <a:buNone/>
-            </a:pPr>
-            <a:endParaRPr lang="en-US" sz="2600" dirty="0"/>
-          </a:p>
-          <a:p>
-            <a:pPr>
-              <a:lnSpc>
-                <a:spcPct val="110000"/>
-              </a:lnSpc>
-            </a:pPr>
-            <a:endParaRPr lang="en-US" sz="3000" dirty="0"/>
-          </a:p>
-          <a:p>
-            <a:pPr marL="403225" lvl="1" indent="0">
-              <a:lnSpc>
-                <a:spcPct val="110000"/>
-              </a:lnSpc>
-              <a:buNone/>
-            </a:pPr>
-            <a:endParaRPr lang="en-US" sz="2600" dirty="0"/>
-          </a:p>
-          <a:p>
-            <a:pPr marL="403225" lvl="1" indent="0">
-              <a:lnSpc>
-                <a:spcPct val="110000"/>
-              </a:lnSpc>
-              <a:buNone/>
-            </a:pPr>
-            <a:endParaRPr lang="en-US" sz="2600" dirty="0"/>
-          </a:p>
-          <a:p>
-            <a:pPr marL="403225" lvl="1" indent="0">
-              <a:lnSpc>
-                <a:spcPct val="110000"/>
-              </a:lnSpc>
-              <a:buNone/>
-            </a:pPr>
-            <a:endParaRPr lang="en-US" sz="2600" dirty="0"/>
-          </a:p>
-          <a:p>
-            <a:pPr lvl="1">
-              <a:lnSpc>
-                <a:spcPct val="110000"/>
-              </a:lnSpc>
-            </a:pPr>
-            <a:endParaRPr lang="en-US" sz="2600" dirty="0"/>
-          </a:p>
-          <a:p>
-            <a:pPr lvl="1">
-              <a:lnSpc>
-                <a:spcPct val="110000"/>
-              </a:lnSpc>
-            </a:pPr>
-            <a:endParaRPr lang="en-US" sz="2600" dirty="0"/>
-          </a:p>
-          <a:p>
-            <a:pPr marL="82296" indent="0">
-              <a:lnSpc>
-                <a:spcPct val="110000"/>
-              </a:lnSpc>
-              <a:buNone/>
-            </a:pPr>
-            <a:endParaRPr lang="en-US" sz="2400" dirty="0"/>
-          </a:p>
-          <a:p>
-            <a:pPr marL="82296" indent="0">
-              <a:lnSpc>
-                <a:spcPct val="110000"/>
-              </a:lnSpc>
-              <a:buNone/>
-            </a:pPr>
-            <a:endParaRPr lang="en-US" sz="2400" dirty="0"/>
-          </a:p>
-          <a:p>
-            <a:pPr marL="82296" indent="0">
-              <a:buNone/>
-            </a:pPr>
-            <a:endParaRPr lang="ro-RO" sz="3000" dirty="0"/>
+              <a:t>Other types of regression (non-parametric, robust, etc.)</a:t>
+            </a:r>
           </a:p>
         </p:txBody>
       </p:sp>
     </p:spTree>
     <p:extLst>
       <p:ext uri="{BB962C8B-B14F-4D97-AF65-F5344CB8AC3E}">
-        <p14:creationId xmlns:p14="http://schemas.microsoft.com/office/powerpoint/2010/main" val="1302868540"/>
+        <p14:creationId xmlns:p14="http://schemas.microsoft.com/office/powerpoint/2010/main" val="2016447367"/>
       </p:ext>
     </p:extLst>
   </p:cSld>
@@ -5615,8 +5352,8 @@
         </p:nvSpPr>
         <p:spPr>
           <a:xfrm>
-            <a:off x="533400" y="0"/>
-            <a:ext cx="8382000" cy="1219200"/>
+            <a:off x="304800" y="76200"/>
+            <a:ext cx="8686800" cy="1143000"/>
           </a:xfrm>
         </p:spPr>
         <p:txBody>
@@ -5632,247 +5369,478 @@
                 <a:ea typeface="Arial Unicode MS" panose="020B0604020202020204" pitchFamily="34" charset="-128"/>
                 <a:cs typeface="Arial Unicode MS" panose="020B0604020202020204" pitchFamily="34" charset="-128"/>
               </a:rPr>
-              <a:t>Resources on `broom` package</a:t>
-            </a:r>
-            <a:endParaRPr lang="en-US" sz="3600" b="1" dirty="0">
-              <a:latin typeface="Arial Unicode MS" panose="020B0604020202020204" pitchFamily="34" charset="-128"/>
-              <a:ea typeface="Arial Unicode MS" panose="020B0604020202020204" pitchFamily="34" charset="-128"/>
-              <a:cs typeface="Arial Unicode MS" panose="020B0604020202020204" pitchFamily="34" charset="-128"/>
-            </a:endParaRPr>
-          </a:p>
-        </p:txBody>
-      </p:sp>
-      <p:sp>
-        <p:nvSpPr>
-          <p:cNvPr id="3" name="Text Placeholder 2"/>
-          <p:cNvSpPr>
-            <a:spLocks noGrp="1"/>
-          </p:cNvSpPr>
-          <p:nvPr>
-            <p:ph type="body" sz="half" idx="1"/>
-          </p:nvPr>
+              <a:t>(Very) Introductory Tutorials on LR</a:t>
+            </a:r>
+          </a:p>
+        </p:txBody>
+      </p:sp>
+      <p:sp>
+        <p:nvSpPr>
+          <p:cNvPr id="7" name="Text Placeholder 2"/>
+          <p:cNvSpPr txBox="1">
+            <a:spLocks/>
+          </p:cNvSpPr>
+          <p:nvPr/>
         </p:nvSpPr>
         <p:spPr>
           <a:xfrm>
-            <a:off x="685800" y="1295400"/>
-            <a:ext cx="8382000" cy="5486400"/>
+            <a:off x="603806" y="1219200"/>
+            <a:ext cx="8534400" cy="5638800"/>
           </a:xfrm>
+          <a:prstGeom prst="rect">
+            <a:avLst/>
+          </a:prstGeom>
         </p:spPr>
         <p:txBody>
           <a:bodyPr>
-            <a:normAutofit fontScale="92500" lnSpcReduction="10000"/>
+            <a:noAutofit/>
           </a:bodyPr>
-          <a:lstStyle/>
-          <a:p>
-            <a:pPr>
-              <a:lnSpc>
-                <a:spcPct val="110000"/>
-              </a:lnSpc>
-            </a:pPr>
-            <a:r>
-              <a:rPr lang="en" sz="3000" dirty="0"/>
-              <a:t>Broom: Converting Statistical Models to Tidy Data Frames</a:t>
-            </a:r>
-            <a:endParaRPr lang="en-US" sz="2600" dirty="0"/>
-          </a:p>
-          <a:p>
-            <a:pPr marL="403225" lvl="1" indent="0">
-              <a:lnSpc>
-                <a:spcPct val="110000"/>
-              </a:lnSpc>
-              <a:buNone/>
-            </a:pPr>
-            <a:r>
-              <a:rPr lang="en-US" sz="2600" dirty="0">
+          <a:lstStyle>
+            <a:lvl1pPr marL="365760" indent="-283464" algn="l" eaLnBrk="1" latinLnBrk="0" hangingPunct="1">
+              <a:lnSpc>
+                <a:spcPct val="100000"/>
+              </a:lnSpc>
+              <a:spcBef>
+                <a:spcPts val="600"/>
+              </a:spcBef>
+              <a:buClr>
+                <a:schemeClr val="accent1"/>
+              </a:buClr>
+              <a:buSzPct val="80000"/>
+              <a:buFont typeface="Wingdings 2"/>
+              <a:buChar char=""/>
+              <a:defRPr kumimoji="0" sz="3000">
+                <a:latin typeface="+mn-lt"/>
+              </a:defRPr>
+            </a:lvl1pPr>
+            <a:lvl2pPr marL="640080" lvl="1" indent="-237744" algn="l" eaLnBrk="1" latinLnBrk="0" hangingPunct="1">
+              <a:lnSpc>
+                <a:spcPct val="100000"/>
+              </a:lnSpc>
+              <a:spcBef>
+                <a:spcPts val="550"/>
+              </a:spcBef>
+              <a:buClr>
+                <a:schemeClr val="accent1"/>
+              </a:buClr>
+              <a:buFont typeface="Verdana"/>
+              <a:buChar char="◦"/>
+              <a:defRPr kumimoji="0" sz="2600">
+                <a:latin typeface="+mn-lt"/>
+              </a:defRPr>
+            </a:lvl2pPr>
+            <a:lvl3pPr marL="886968" indent="-228600" algn="l" eaLnBrk="1" latinLnBrk="0" hangingPunct="1">
+              <a:lnSpc>
+                <a:spcPct val="100000"/>
+              </a:lnSpc>
+              <a:buClr>
+                <a:schemeClr val="accent2"/>
+              </a:buClr>
+              <a:buFont typeface="Wingdings 2"/>
+              <a:buChar char=""/>
+              <a:defRPr kumimoji="0" sz="2400">
+                <a:latin typeface="+mn-lt"/>
+              </a:defRPr>
+            </a:lvl3pPr>
+            <a:lvl4pPr marL="1097280" indent="-173736" algn="l" eaLnBrk="1" latinLnBrk="0" hangingPunct="1">
+              <a:lnSpc>
+                <a:spcPct val="100000"/>
+              </a:lnSpc>
+              <a:buClr>
+                <a:schemeClr val="accent3"/>
+              </a:buClr>
+              <a:buFont typeface="Wingdings 2"/>
+              <a:buChar char=""/>
+              <a:defRPr kumimoji="0" sz="2000">
+                <a:latin typeface="+mn-lt"/>
+              </a:defRPr>
+            </a:lvl4pPr>
+            <a:lvl5pPr marL="1298448" indent="-182880" algn="l" eaLnBrk="1" latinLnBrk="0" hangingPunct="1">
+              <a:lnSpc>
+                <a:spcPct val="100000"/>
+              </a:lnSpc>
+              <a:buClr>
+                <a:schemeClr val="accent4"/>
+              </a:buClr>
+              <a:buFont typeface="Wingdings 2"/>
+              <a:buChar char=""/>
+              <a:defRPr kumimoji="0" sz="2000">
+                <a:latin typeface="+mn-lt"/>
+              </a:defRPr>
+            </a:lvl5pPr>
+            <a:lvl6pPr marL="1508760" indent="-182880">
+              <a:lnSpc>
+                <a:spcPct val="100000"/>
+              </a:lnSpc>
+              <a:spcBef>
+                <a:spcPct val="20000"/>
+              </a:spcBef>
+              <a:buClr>
+                <a:schemeClr val="accent5"/>
+              </a:buClr>
+              <a:buFont typeface="Wingdings 2"/>
+              <a:buChar char=""/>
+              <a:defRPr kumimoji="0" sz="2000">
+                <a:latin typeface="+mn-lt"/>
+              </a:defRPr>
+            </a:lvl6pPr>
+            <a:lvl7pPr marL="1719072" indent="-182880">
+              <a:lnSpc>
+                <a:spcPct val="100000"/>
+              </a:lnSpc>
+              <a:spcBef>
+                <a:spcPct val="20000"/>
+              </a:spcBef>
+              <a:buClr>
+                <a:schemeClr val="accent6"/>
+              </a:buClr>
+              <a:buFont typeface="Wingdings 2"/>
+              <a:buChar char=""/>
+              <a:defRPr kumimoji="0" sz="2000">
+                <a:latin typeface="+mn-lt"/>
+              </a:defRPr>
+            </a:lvl7pPr>
+            <a:lvl8pPr marL="1920240" indent="-182880">
+              <a:lnSpc>
+                <a:spcPct val="100000"/>
+              </a:lnSpc>
+              <a:spcBef>
+                <a:spcPct val="20000"/>
+              </a:spcBef>
+              <a:buClr>
+                <a:schemeClr val="accent6"/>
+              </a:buClr>
+              <a:buFont typeface="Wingdings 2"/>
+              <a:buChar char=""/>
+              <a:defRPr kumimoji="0" sz="2000">
+                <a:latin typeface="+mn-lt"/>
+              </a:defRPr>
+            </a:lvl8pPr>
+            <a:lvl9pPr marL="2130552" indent="-182880">
+              <a:lnSpc>
+                <a:spcPct val="100000"/>
+              </a:lnSpc>
+              <a:spcBef>
+                <a:spcPct val="20000"/>
+              </a:spcBef>
+              <a:buClr>
+                <a:schemeClr val="accent6"/>
+              </a:buClr>
+              <a:buFont typeface="Wingdings 2"/>
+              <a:buChar char=""/>
+              <a:defRPr kumimoji="0" sz="2000">
+                <a:latin typeface="+mn-lt"/>
+              </a:defRPr>
+            </a:lvl9pPr>
+            <a:extLst/>
+          </a:lstStyle>
+          <a:p>
+            <a:pPr lvl="1"/>
+            <a:r>
+              <a:rPr lang="en-US" sz="2000" dirty="0">
+                <a:latin typeface="Avenir Medium"/>
+              </a:rPr>
+              <a:t>Linear Regression (</a:t>
+            </a:r>
+            <a:r>
+              <a:rPr lang="en-US" sz="2000" dirty="0" err="1">
+                <a:latin typeface="Avenir Medium"/>
+              </a:rPr>
+              <a:t>statisticsfun</a:t>
+            </a:r>
+            <a:r>
+              <a:rPr lang="en-US" sz="2000" dirty="0">
+                <a:latin typeface="Avenir Medium"/>
+              </a:rPr>
+              <a:t>) – playlist:</a:t>
+            </a:r>
+          </a:p>
+          <a:p>
+            <a:pPr marL="402336" lvl="1" indent="0">
+              <a:buNone/>
+            </a:pPr>
+            <a:r>
+              <a:rPr lang="en-US" sz="1400" dirty="0">
+                <a:latin typeface="Avenir Medium"/>
                 <a:hlinkClick r:id="rId2"/>
               </a:rPr>
-              <a:t>https://www.youtube.com/watch?v=7VGPUBWGv6g</a:t>
-            </a:r>
-            <a:endParaRPr lang="en-US" sz="2600" dirty="0"/>
-          </a:p>
-          <a:p>
-            <a:pPr>
-              <a:lnSpc>
-                <a:spcPct val="110000"/>
-              </a:lnSpc>
-            </a:pPr>
-            <a:endParaRPr lang="en" sz="3000" dirty="0"/>
-          </a:p>
-          <a:p>
-            <a:pPr>
-              <a:lnSpc>
-                <a:spcPct val="110000"/>
-              </a:lnSpc>
-            </a:pPr>
-            <a:r>
-              <a:rPr lang="en" sz="3000" dirty="0"/>
-              <a:t>The broom R package - Tidy statistical objects in R</a:t>
-            </a:r>
-          </a:p>
-          <a:p>
-            <a:pPr marL="403225" lvl="1" indent="0">
-              <a:lnSpc>
-                <a:spcPct val="110000"/>
-              </a:lnSpc>
-              <a:buNone/>
-            </a:pPr>
-            <a:r>
-              <a:rPr lang="en-US" sz="2600" dirty="0">
-                <a:hlinkClick r:id="rId3">
-                  <a:extLst>
-                    <a:ext uri="{A12FA001-AC4F-418D-AE19-62706E023703}">
-                      <ahyp:hlinkClr xmlns:ahyp="http://schemas.microsoft.com/office/drawing/2018/hyperlinkcolor" val="tx"/>
-                    </a:ext>
-                  </a:extLst>
-                </a:hlinkClick>
+              <a:t>https://www.youtube.com/watch?v=zPG4NjIkCjc&amp;list=PLF596A4043DBEAE9C</a:t>
+            </a:r>
+            <a:endParaRPr lang="en-US" sz="1400" dirty="0">
+              <a:latin typeface="Avenir Medium"/>
+            </a:endParaRPr>
+          </a:p>
+          <a:p>
+            <a:pPr lvl="1"/>
+            <a:r>
+              <a:rPr lang="en-US" sz="2000" dirty="0">
+                <a:latin typeface="Avenir Medium"/>
               </a:rPr>
-              <a:t>https://www.youtube.com/watch?v=a-6i4N1LBUQ</a:t>
-            </a:r>
-            <a:endParaRPr lang="en-US" sz="3200" dirty="0"/>
-          </a:p>
-          <a:p>
-            <a:pPr>
-              <a:lnSpc>
-                <a:spcPct val="110000"/>
-              </a:lnSpc>
-            </a:pPr>
-            <a:endParaRPr lang="en" sz="3000" dirty="0"/>
-          </a:p>
-          <a:p>
-            <a:pPr>
-              <a:lnSpc>
-                <a:spcPct val="110000"/>
-              </a:lnSpc>
-            </a:pPr>
-            <a:r>
-              <a:rPr lang="en" sz="3000" dirty="0"/>
-              <a:t>broom: Convert Statistical Analysis Objects into Tidy Tibbles</a:t>
-            </a:r>
-            <a:endParaRPr lang="en-US" sz="2600" dirty="0"/>
-          </a:p>
-          <a:p>
-            <a:pPr marL="403225" lvl="1" indent="0">
-              <a:lnSpc>
-                <a:spcPct val="110000"/>
-              </a:lnSpc>
-              <a:buNone/>
-            </a:pPr>
-            <a:r>
-              <a:rPr lang="en-US" sz="2600" dirty="0">
+              <a:t>Statistics PL14 - Simple Linear Regression (Brandon Foltz) - playlist</a:t>
+            </a:r>
+            <a:endParaRPr lang="en-US" sz="2000" dirty="0">
+              <a:latin typeface="Avenir Medium"/>
+              <a:hlinkClick r:id="rId3"/>
+            </a:endParaRPr>
+          </a:p>
+          <a:p>
+            <a:pPr marL="402336" lvl="1" indent="0">
+              <a:buNone/>
+            </a:pPr>
+            <a:r>
+              <a:rPr lang="en-US" sz="1400" dirty="0">
+                <a:latin typeface="Avenir Medium"/>
                 <a:hlinkClick r:id="rId4"/>
               </a:rPr>
-              <a:t>https://cran.r-project.org/web/packages/broom/index.html</a:t>
-            </a:r>
-            <a:endParaRPr lang="en-US" sz="2600" dirty="0"/>
-          </a:p>
-          <a:p>
-            <a:pPr marL="403225" lvl="1" indent="0">
-              <a:lnSpc>
-                <a:spcPct val="110000"/>
-              </a:lnSpc>
-              <a:buNone/>
-            </a:pPr>
-            <a:endParaRPr lang="en-US" sz="2600" dirty="0"/>
-          </a:p>
-          <a:p>
-            <a:pPr marL="403225" lvl="1" indent="0">
-              <a:lnSpc>
-                <a:spcPct val="110000"/>
-              </a:lnSpc>
-              <a:buNone/>
-            </a:pPr>
-            <a:endParaRPr lang="en-US" sz="2600" dirty="0"/>
-          </a:p>
-          <a:p>
-            <a:pPr marL="403225" lvl="1" indent="0">
-              <a:lnSpc>
-                <a:spcPct val="110000"/>
-              </a:lnSpc>
-              <a:buNone/>
-            </a:pPr>
-            <a:endParaRPr lang="en-US" sz="2600" dirty="0"/>
-          </a:p>
-          <a:p>
-            <a:pPr>
-              <a:lnSpc>
-                <a:spcPct val="110000"/>
-              </a:lnSpc>
-            </a:pPr>
-            <a:endParaRPr lang="en-US" sz="3000" dirty="0"/>
-          </a:p>
-          <a:p>
-            <a:pPr marL="403225" lvl="1" indent="0">
-              <a:lnSpc>
-                <a:spcPct val="110000"/>
-              </a:lnSpc>
-              <a:buNone/>
-            </a:pPr>
-            <a:endParaRPr lang="en-US" sz="2600" dirty="0"/>
-          </a:p>
-          <a:p>
-            <a:pPr marL="403225" lvl="1" indent="0">
-              <a:lnSpc>
-                <a:spcPct val="110000"/>
-              </a:lnSpc>
-              <a:buNone/>
-            </a:pPr>
-            <a:endParaRPr lang="en-US" sz="2600" dirty="0"/>
-          </a:p>
-          <a:p>
-            <a:pPr marL="403225" lvl="1" indent="0">
-              <a:lnSpc>
-                <a:spcPct val="110000"/>
-              </a:lnSpc>
-              <a:buNone/>
-            </a:pPr>
-            <a:endParaRPr lang="en-US" sz="2600" dirty="0"/>
+              <a:t>https://www.youtube.com/watch?v=ZkjP5RJLQF4&amp;list=PLIeGtxpvyG-LoKUpV0fSY8BGKIMIdmfCi</a:t>
+            </a:r>
+            <a:endParaRPr lang="en-US" sz="1400" dirty="0">
+              <a:latin typeface="Avenir Medium"/>
+            </a:endParaRPr>
+          </a:p>
+          <a:p>
+            <a:pPr lvl="1"/>
+            <a:r>
+              <a:rPr lang="en-US" sz="2000" dirty="0">
+                <a:latin typeface="Avenir Medium"/>
+              </a:rPr>
+              <a:t>Statistics PL15 - Multiple Regression (Brandon Foltz) - playlist</a:t>
+            </a:r>
+            <a:endParaRPr lang="en-US" sz="2000" dirty="0">
+              <a:latin typeface="Avenir Medium"/>
+              <a:hlinkClick r:id="rId3"/>
+            </a:endParaRPr>
+          </a:p>
+          <a:p>
+            <a:pPr marL="402336" lvl="1" indent="0">
+              <a:buNone/>
+            </a:pPr>
+            <a:r>
+              <a:rPr lang="en-US" sz="1400" dirty="0">
+                <a:latin typeface="Avenir Medium"/>
+                <a:hlinkClick r:id="rId5"/>
+              </a:rPr>
+              <a:t>https://www.youtube.com/watch?v=dQNpSa-bq4M&amp;list=PLIeGtxpvyG-IqjoU8IiF0Yu1WtxNq_4z-</a:t>
+            </a:r>
+            <a:endParaRPr lang="en-US" sz="1400" dirty="0">
+              <a:latin typeface="Avenir Medium"/>
+            </a:endParaRPr>
+          </a:p>
+          <a:p>
+            <a:pPr lvl="1"/>
+            <a:r>
+              <a:rPr lang="en-US" sz="2000" dirty="0">
+                <a:latin typeface="Avenir Medium"/>
+              </a:rPr>
+              <a:t>Linear Regression in R (Series 5) – (Mike Marin) - playlist</a:t>
+            </a:r>
+          </a:p>
+          <a:p>
+            <a:pPr marL="402336" lvl="1" indent="0">
+              <a:buNone/>
+            </a:pPr>
+            <a:r>
+              <a:rPr lang="en-US" sz="1400" dirty="0">
+                <a:latin typeface="Avenir Medium"/>
+                <a:hlinkClick r:id="rId6"/>
+              </a:rPr>
+              <a:t>https://www.youtube.com/watch?v=66z_MRwtFJM&amp;list=PLqzoL9-eJTNBJrvFcN-ohc5G13E7Big0e</a:t>
+            </a:r>
+            <a:endParaRPr lang="en-US" sz="1400" dirty="0">
+              <a:latin typeface="Avenir Medium"/>
+            </a:endParaRPr>
+          </a:p>
+          <a:p>
+            <a:pPr lvl="1"/>
+            <a:r>
+              <a:rPr lang="en-US" sz="2000" dirty="0">
+                <a:latin typeface="Avenir Medium"/>
+              </a:rPr>
+              <a:t>Ankit </a:t>
+            </a:r>
+            <a:r>
+              <a:rPr lang="en-US" sz="2000" dirty="0" err="1">
+                <a:latin typeface="Avenir Medium"/>
+              </a:rPr>
+              <a:t>Rathi</a:t>
+            </a:r>
+            <a:r>
+              <a:rPr lang="en-US" sz="2000" dirty="0">
+                <a:latin typeface="Avenir Medium"/>
+              </a:rPr>
+              <a:t> - Linear Regression — Statistical Learning (2018)</a:t>
+            </a:r>
+          </a:p>
+          <a:p>
+            <a:pPr marL="402336" lvl="1" indent="0">
+              <a:buNone/>
+            </a:pPr>
+            <a:r>
+              <a:rPr lang="en-US" sz="1400" dirty="0">
+                <a:latin typeface="Avenir Medium"/>
+                <a:hlinkClick r:id="rId7"/>
+              </a:rPr>
+              <a:t>https://medium.com/analytics-vidhya/linear-regression-for-statistical-learning-cb43593a3999</a:t>
+            </a:r>
+            <a:endParaRPr lang="en-US" sz="1400" dirty="0">
+              <a:latin typeface="Avenir Medium"/>
+            </a:endParaRPr>
+          </a:p>
+          <a:p>
+            <a:pPr lvl="1"/>
+            <a:r>
+              <a:rPr lang="en-US" sz="2000" dirty="0">
+                <a:latin typeface="Avenir Medium"/>
+              </a:rPr>
+              <a:t>Quick Guide: Interpreting Simple Linear Model Output in R (Felipe </a:t>
+            </a:r>
+            <a:r>
+              <a:rPr lang="en-US" sz="2000" dirty="0" err="1">
+                <a:latin typeface="Avenir Medium"/>
+              </a:rPr>
+              <a:t>Rego</a:t>
+            </a:r>
+            <a:r>
+              <a:rPr lang="en-US" sz="2000" dirty="0">
+                <a:latin typeface="Avenir Medium"/>
+              </a:rPr>
+              <a:t>)</a:t>
+            </a:r>
+          </a:p>
+          <a:p>
+            <a:pPr marL="402336" lvl="1" indent="0">
+              <a:buNone/>
+            </a:pPr>
+            <a:r>
+              <a:rPr lang="en-US" sz="1400" dirty="0">
+                <a:latin typeface="Avenir Medium"/>
+                <a:hlinkClick r:id="rId8"/>
+              </a:rPr>
+              <a:t>https://feliperego.github.io/blog/2015/10/23/Interpreting-Model-Output-In-R</a:t>
+            </a:r>
+            <a:endParaRPr lang="en-US" sz="1400" dirty="0">
+              <a:latin typeface="Avenir Medium"/>
+            </a:endParaRPr>
+          </a:p>
+          <a:p>
+            <a:pPr lvl="1"/>
+            <a:endParaRPr lang="en-US" sz="2000" dirty="0">
+              <a:latin typeface="Avenir Medium"/>
+            </a:endParaRPr>
+          </a:p>
+          <a:p>
+            <a:pPr lvl="1"/>
+            <a:endParaRPr lang="en-US" sz="2000" dirty="0">
+              <a:latin typeface="Avenir Medium"/>
+            </a:endParaRPr>
+          </a:p>
+          <a:p>
+            <a:pPr marL="402336" lvl="1" indent="0">
+              <a:buNone/>
+            </a:pPr>
+            <a:endParaRPr lang="en-US" sz="2000" dirty="0">
+              <a:latin typeface="Avenir Medium"/>
+            </a:endParaRPr>
+          </a:p>
+          <a:p>
+            <a:pPr marL="402336" lvl="1" indent="0">
+              <a:buNone/>
+            </a:pPr>
+            <a:endParaRPr lang="en-US" sz="2000" dirty="0">
+              <a:latin typeface="Avenir Medium"/>
+            </a:endParaRPr>
+          </a:p>
+          <a:p>
+            <a:pPr marL="402336" lvl="1" indent="0">
+              <a:buNone/>
+            </a:pPr>
+            <a:endParaRPr lang="en-US" sz="1500" dirty="0">
+              <a:latin typeface="Avenir Medium"/>
+            </a:endParaRPr>
+          </a:p>
+          <a:p>
+            <a:pPr marL="402336" lvl="1" indent="0">
+              <a:buNone/>
+            </a:pPr>
+            <a:endParaRPr lang="en-US" sz="1500" dirty="0">
+              <a:latin typeface="Avenir Medium"/>
+            </a:endParaRPr>
           </a:p>
           <a:p>
             <a:pPr lvl="1">
-              <a:lnSpc>
-                <a:spcPct val="110000"/>
-              </a:lnSpc>
-            </a:pPr>
-            <a:endParaRPr lang="en-US" sz="2600" dirty="0"/>
+              <a:buFontTx/>
+              <a:buChar char="-"/>
+            </a:pPr>
+            <a:endParaRPr lang="en-US" sz="2800" dirty="0">
+              <a:latin typeface="Avenir Medium"/>
+            </a:endParaRPr>
           </a:p>
           <a:p>
             <a:pPr lvl="1">
-              <a:lnSpc>
-                <a:spcPct val="110000"/>
-              </a:lnSpc>
-            </a:pPr>
-            <a:endParaRPr lang="en-US" sz="2600" dirty="0"/>
-          </a:p>
-          <a:p>
-            <a:pPr marL="82296" indent="0">
-              <a:lnSpc>
-                <a:spcPct val="110000"/>
-              </a:lnSpc>
-              <a:buNone/>
-            </a:pPr>
-            <a:endParaRPr lang="en-US" sz="2400" dirty="0"/>
-          </a:p>
-          <a:p>
-            <a:pPr marL="82296" indent="0">
-              <a:lnSpc>
-                <a:spcPct val="110000"/>
-              </a:lnSpc>
-              <a:buNone/>
-            </a:pPr>
-            <a:endParaRPr lang="en-US" sz="2400" dirty="0"/>
-          </a:p>
-          <a:p>
-            <a:pPr marL="82296" indent="0">
-              <a:buNone/>
-            </a:pPr>
-            <a:endParaRPr lang="ro-RO" sz="3000" dirty="0"/>
+              <a:buFontTx/>
+              <a:buChar char="-"/>
+            </a:pPr>
+            <a:endParaRPr lang="en-US" sz="1500" dirty="0">
+              <a:latin typeface="Avenir Medium"/>
+            </a:endParaRPr>
+          </a:p>
+          <a:p>
+            <a:endParaRPr lang="en-US" sz="2800" dirty="0">
+              <a:latin typeface="Avenir Medium"/>
+            </a:endParaRPr>
+          </a:p>
+          <a:p>
+            <a:pPr marL="402336" lvl="1" indent="0">
+              <a:buNone/>
+            </a:pPr>
+            <a:endParaRPr lang="en-US" sz="1500" dirty="0">
+              <a:latin typeface="Avenir Medium"/>
+            </a:endParaRPr>
+          </a:p>
+          <a:p>
+            <a:pPr marL="402336" lvl="1" indent="0">
+              <a:buNone/>
+            </a:pPr>
+            <a:endParaRPr lang="en-US" sz="1500" dirty="0">
+              <a:latin typeface="Avenir Medium"/>
+            </a:endParaRPr>
+          </a:p>
+          <a:p>
+            <a:pPr marL="402336" lvl="1" indent="0">
+              <a:buNone/>
+            </a:pPr>
+            <a:endParaRPr lang="en-US" sz="1500" dirty="0">
+              <a:latin typeface="Avenir Medium"/>
+            </a:endParaRPr>
+          </a:p>
+          <a:p>
+            <a:pPr marL="402336" lvl="1" indent="0">
+              <a:buNone/>
+            </a:pPr>
+            <a:endParaRPr lang="en-US" sz="1500" dirty="0">
+              <a:latin typeface="Avenir Medium"/>
+            </a:endParaRPr>
+          </a:p>
+          <a:p>
+            <a:pPr marL="402336" lvl="1" indent="0">
+              <a:buNone/>
+            </a:pPr>
+            <a:endParaRPr lang="en-US" sz="1500" dirty="0">
+              <a:latin typeface="Avenir Medium"/>
+            </a:endParaRPr>
+          </a:p>
+          <a:p>
+            <a:endParaRPr lang="en-US" sz="2300" dirty="0">
+              <a:latin typeface="Avenir Medium"/>
+              <a:cs typeface="Avenir Medium"/>
+            </a:endParaRPr>
           </a:p>
         </p:txBody>
       </p:sp>
     </p:spTree>
     <p:extLst>
       <p:ext uri="{BB962C8B-B14F-4D97-AF65-F5344CB8AC3E}">
-        <p14:creationId xmlns:p14="http://schemas.microsoft.com/office/powerpoint/2010/main" val="3446139553"/>
+        <p14:creationId xmlns:p14="http://schemas.microsoft.com/office/powerpoint/2010/main" val="2872525952"/>
       </p:ext>
     </p:extLst>
   </p:cSld>
@@ -5914,8 +5882,8 @@
         </p:nvSpPr>
         <p:spPr>
           <a:xfrm>
-            <a:off x="76200" y="152400"/>
-            <a:ext cx="9144000" cy="1143000"/>
+            <a:off x="304800" y="76200"/>
+            <a:ext cx="8686800" cy="1143000"/>
           </a:xfrm>
         </p:spPr>
         <p:txBody>
@@ -5926,12 +5894,12 @@
           <a:p>
             <a:pPr algn="ctr"/>
             <a:r>
-              <a:rPr lang="en-US" sz="3600" b="1" dirty="0">
+              <a:rPr lang="en-US" dirty="0">
                 <a:latin typeface="Arial Unicode MS" panose="020B0604020202020204" pitchFamily="34" charset="-128"/>
                 <a:ea typeface="Arial Unicode MS" panose="020B0604020202020204" pitchFamily="34" charset="-128"/>
                 <a:cs typeface="Arial Unicode MS" panose="020B0604020202020204" pitchFamily="34" charset="-128"/>
               </a:rPr>
-              <a:t>R scripts associated with this presentation</a:t>
+              <a:t>Tutorials on LR in R</a:t>
             </a:r>
           </a:p>
         </p:txBody>
@@ -5946,8 +5914,8 @@
         </p:nvSpPr>
         <p:spPr>
           <a:xfrm>
-            <a:off x="990600" y="2133600"/>
-            <a:ext cx="8153400" cy="4114800"/>
+            <a:off x="533400" y="990600"/>
+            <a:ext cx="8604806" cy="5867400"/>
           </a:xfrm>
           <a:prstGeom prst="rect">
             <a:avLst/>
@@ -6097,6 +6065,1938 @@
             <a:extLst/>
           </a:lstStyle>
           <a:p>
+            <a:pPr lvl="1"/>
+            <a:r>
+              <a:rPr lang="en-US" sz="2000" dirty="0">
+                <a:latin typeface="Avenir Medium"/>
+              </a:rPr>
+              <a:t>Linear Regression</a:t>
+            </a:r>
+          </a:p>
+          <a:p>
+            <a:pPr marL="402336" lvl="1" indent="0">
+              <a:buNone/>
+            </a:pPr>
+            <a:r>
+              <a:rPr lang="en-US" sz="1600" dirty="0">
+                <a:latin typeface="Avenir Medium"/>
+                <a:hlinkClick r:id="rId2"/>
+              </a:rPr>
+              <a:t>http://r-statistics.co/Linear-Regression.html</a:t>
+            </a:r>
+            <a:endParaRPr lang="en-US" sz="2000" dirty="0">
+              <a:latin typeface="Avenir Medium"/>
+            </a:endParaRPr>
+          </a:p>
+          <a:p>
+            <a:pPr lvl="1"/>
+            <a:endParaRPr lang="en-US" sz="1000" dirty="0">
+              <a:latin typeface="Avenir Medium"/>
+            </a:endParaRPr>
+          </a:p>
+          <a:p>
+            <a:pPr lvl="1"/>
+            <a:r>
+              <a:rPr lang="en-US" sz="2000" dirty="0">
+                <a:latin typeface="Avenir Medium"/>
+              </a:rPr>
+              <a:t>Fitting &amp; Interpreting Linear Models in R</a:t>
+            </a:r>
+          </a:p>
+          <a:p>
+            <a:pPr marL="402336" lvl="1" indent="0">
+              <a:buNone/>
+            </a:pPr>
+            <a:r>
+              <a:rPr lang="en-US" sz="1600" dirty="0">
+                <a:latin typeface="Avenir Medium"/>
+                <a:hlinkClick r:id="rId3"/>
+              </a:rPr>
+              <a:t>http://blog.yhat.com/posts/r-lm-summary.html</a:t>
+            </a:r>
+            <a:endParaRPr lang="en-US" sz="2000" dirty="0">
+              <a:latin typeface="Avenir Medium"/>
+            </a:endParaRPr>
+          </a:p>
+          <a:p>
+            <a:pPr lvl="1"/>
+            <a:endParaRPr lang="en-US" sz="1000" dirty="0">
+              <a:latin typeface="Avenir Medium"/>
+            </a:endParaRPr>
+          </a:p>
+          <a:p>
+            <a:pPr lvl="1"/>
+            <a:r>
+              <a:rPr lang="en-US" sz="2000" dirty="0">
+                <a:latin typeface="Avenir Medium"/>
+              </a:rPr>
+              <a:t>Lecture 9 - Linear regression in R (Prof. Alexandra </a:t>
+            </a:r>
+            <a:r>
+              <a:rPr lang="en-US" sz="2000" dirty="0" err="1">
+                <a:latin typeface="Avenir Medium"/>
+              </a:rPr>
+              <a:t>Chouldechova</a:t>
+            </a:r>
+            <a:r>
+              <a:rPr lang="en-US" sz="2000" dirty="0">
+                <a:latin typeface="Avenir Medium"/>
+              </a:rPr>
+              <a:t>)</a:t>
+            </a:r>
+          </a:p>
+          <a:p>
+            <a:pPr marL="402336" lvl="1" indent="0">
+              <a:buNone/>
+            </a:pPr>
+            <a:r>
+              <a:rPr lang="en-US" sz="1600" dirty="0">
+                <a:latin typeface="Avenir Medium"/>
+                <a:hlinkClick r:id="rId4"/>
+              </a:rPr>
+              <a:t>https://www.andrew.cmu.edu/user/achoulde/94842/lectures/lecture09/lecture09-94842.html</a:t>
+            </a:r>
+            <a:endParaRPr lang="en-US" sz="2000" dirty="0">
+              <a:latin typeface="Avenir Medium"/>
+            </a:endParaRPr>
+          </a:p>
+          <a:p>
+            <a:pPr lvl="1"/>
+            <a:endParaRPr lang="en-US" sz="1000" dirty="0">
+              <a:latin typeface="Avenir Medium"/>
+            </a:endParaRPr>
+          </a:p>
+          <a:p>
+            <a:pPr lvl="1"/>
+            <a:r>
+              <a:rPr lang="en-US" sz="2000" dirty="0">
+                <a:latin typeface="Avenir Medium"/>
+              </a:rPr>
+              <a:t>Complete Introduction to Linear Regression in R</a:t>
+            </a:r>
+          </a:p>
+          <a:p>
+            <a:pPr marL="402336" lvl="1" indent="0">
+              <a:buNone/>
+            </a:pPr>
+            <a:r>
+              <a:rPr lang="en-US" sz="1600" dirty="0">
+                <a:latin typeface="Avenir Medium"/>
+                <a:hlinkClick r:id="rId5"/>
+              </a:rPr>
+              <a:t>https://www.machinelearningplus.com/complete-introduction-linear-regression-r/</a:t>
+            </a:r>
+            <a:endParaRPr lang="en-US" sz="2000" dirty="0">
+              <a:latin typeface="Avenir Medium"/>
+            </a:endParaRPr>
+          </a:p>
+          <a:p>
+            <a:pPr lvl="1"/>
+            <a:endParaRPr lang="en-US" sz="1000" dirty="0">
+              <a:latin typeface="Avenir Medium"/>
+            </a:endParaRPr>
+          </a:p>
+          <a:p>
+            <a:pPr lvl="1"/>
+            <a:r>
+              <a:rPr lang="en-US" sz="2000" dirty="0">
+                <a:latin typeface="Avenir Medium"/>
+              </a:rPr>
+              <a:t>Chapter 3: Linear Regression (slides, playlist) (Hastie and </a:t>
+            </a:r>
+            <a:r>
+              <a:rPr lang="en-US" sz="2000" dirty="0" err="1">
+                <a:latin typeface="Avenir Medium"/>
+              </a:rPr>
+              <a:t>Tibshirani</a:t>
+            </a:r>
+            <a:r>
+              <a:rPr lang="en-US" sz="2000" dirty="0">
+                <a:latin typeface="Avenir Medium"/>
+              </a:rPr>
+              <a:t>)</a:t>
+            </a:r>
+          </a:p>
+          <a:p>
+            <a:pPr marL="402336" lvl="1" indent="0">
+              <a:buNone/>
+            </a:pPr>
+            <a:r>
+              <a:rPr lang="en-US" sz="1600" dirty="0">
+                <a:latin typeface="Avenir Medium"/>
+                <a:hlinkClick r:id="rId6"/>
+              </a:rPr>
+              <a:t>https://class.stanford.edu/c4x/HumanitiesScience/StatLearning/asset/linear_regression.pdf</a:t>
+            </a:r>
+          </a:p>
+          <a:p>
+            <a:pPr marL="402336" lvl="1" indent="0">
+              <a:buNone/>
+            </a:pPr>
+            <a:r>
+              <a:rPr lang="en-US" sz="1600" dirty="0">
+                <a:latin typeface="Avenir Medium"/>
+                <a:hlinkClick r:id="rId6"/>
+              </a:rPr>
+              <a:t>https://www.youtube.com/playlist?list=PL5-da3qGB5IBSSCPANhTgrw82ws7w_or9</a:t>
+            </a:r>
+            <a:endParaRPr lang="en-US" sz="1600" dirty="0">
+              <a:latin typeface="Avenir Medium"/>
+            </a:endParaRPr>
+          </a:p>
+          <a:p>
+            <a:pPr marL="402336" lvl="1" indent="0">
+              <a:buNone/>
+            </a:pPr>
+            <a:endParaRPr lang="en-US" sz="1600" dirty="0">
+              <a:latin typeface="Avenir Medium"/>
+            </a:endParaRPr>
+          </a:p>
+          <a:p>
+            <a:pPr marL="402336" lvl="1" indent="0">
+              <a:buNone/>
+            </a:pPr>
+            <a:endParaRPr lang="en-US" sz="1600" dirty="0">
+              <a:latin typeface="Avenir Medium"/>
+            </a:endParaRPr>
+          </a:p>
+          <a:p>
+            <a:pPr marL="402336" lvl="1" indent="0">
+              <a:buNone/>
+            </a:pPr>
+            <a:endParaRPr lang="en-US" sz="1600" dirty="0">
+              <a:latin typeface="Avenir Medium"/>
+            </a:endParaRPr>
+          </a:p>
+          <a:p>
+            <a:pPr marL="402336" lvl="1" indent="0">
+              <a:buNone/>
+            </a:pPr>
+            <a:endParaRPr lang="en-US" sz="1600" dirty="0">
+              <a:latin typeface="Avenir Medium"/>
+            </a:endParaRPr>
+          </a:p>
+          <a:p>
+            <a:pPr lvl="1"/>
+            <a:endParaRPr lang="en-US" sz="2000" dirty="0">
+              <a:latin typeface="Avenir Medium"/>
+            </a:endParaRPr>
+          </a:p>
+          <a:p>
+            <a:pPr marL="402336" lvl="1" indent="0">
+              <a:buNone/>
+            </a:pPr>
+            <a:endParaRPr lang="en-US" sz="2000" dirty="0">
+              <a:latin typeface="Avenir Medium"/>
+            </a:endParaRPr>
+          </a:p>
+          <a:p>
+            <a:pPr marL="402336" lvl="1" indent="0">
+              <a:buNone/>
+            </a:pPr>
+            <a:endParaRPr lang="en-US" sz="2000" dirty="0">
+              <a:latin typeface="Avenir Medium"/>
+            </a:endParaRPr>
+          </a:p>
+          <a:p>
+            <a:pPr marL="402336" lvl="1" indent="0">
+              <a:buNone/>
+            </a:pPr>
+            <a:endParaRPr lang="en-US" sz="1500" dirty="0">
+              <a:latin typeface="Avenir Medium"/>
+            </a:endParaRPr>
+          </a:p>
+          <a:p>
+            <a:pPr marL="402336" lvl="1" indent="0">
+              <a:buNone/>
+            </a:pPr>
+            <a:endParaRPr lang="en-US" sz="1500" dirty="0">
+              <a:latin typeface="Avenir Medium"/>
+            </a:endParaRPr>
+          </a:p>
+          <a:p>
+            <a:pPr lvl="1">
+              <a:buFontTx/>
+              <a:buChar char="-"/>
+            </a:pPr>
+            <a:endParaRPr lang="en-US" sz="2800" dirty="0">
+              <a:latin typeface="Avenir Medium"/>
+            </a:endParaRPr>
+          </a:p>
+          <a:p>
+            <a:pPr lvl="1">
+              <a:buFontTx/>
+              <a:buChar char="-"/>
+            </a:pPr>
+            <a:endParaRPr lang="en-US" sz="1500" dirty="0">
+              <a:latin typeface="Avenir Medium"/>
+            </a:endParaRPr>
+          </a:p>
+          <a:p>
+            <a:endParaRPr lang="en-US" sz="2800" dirty="0">
+              <a:latin typeface="Avenir Medium"/>
+            </a:endParaRPr>
+          </a:p>
+          <a:p>
+            <a:pPr marL="402336" lvl="1" indent="0">
+              <a:buNone/>
+            </a:pPr>
+            <a:endParaRPr lang="en-US" sz="1500" dirty="0">
+              <a:latin typeface="Avenir Medium"/>
+            </a:endParaRPr>
+          </a:p>
+          <a:p>
+            <a:pPr marL="402336" lvl="1" indent="0">
+              <a:buNone/>
+            </a:pPr>
+            <a:endParaRPr lang="en-US" sz="1500" dirty="0">
+              <a:latin typeface="Avenir Medium"/>
+            </a:endParaRPr>
+          </a:p>
+          <a:p>
+            <a:pPr marL="402336" lvl="1" indent="0">
+              <a:buNone/>
+            </a:pPr>
+            <a:endParaRPr lang="en-US" sz="1500" dirty="0">
+              <a:latin typeface="Avenir Medium"/>
+            </a:endParaRPr>
+          </a:p>
+          <a:p>
+            <a:pPr marL="402336" lvl="1" indent="0">
+              <a:buNone/>
+            </a:pPr>
+            <a:endParaRPr lang="en-US" sz="1500" dirty="0">
+              <a:latin typeface="Avenir Medium"/>
+            </a:endParaRPr>
+          </a:p>
+          <a:p>
+            <a:pPr marL="402336" lvl="1" indent="0">
+              <a:buNone/>
+            </a:pPr>
+            <a:endParaRPr lang="en-US" sz="1500" dirty="0">
+              <a:latin typeface="Avenir Medium"/>
+            </a:endParaRPr>
+          </a:p>
+          <a:p>
+            <a:endParaRPr lang="en-US" sz="2300" dirty="0">
+              <a:latin typeface="Avenir Medium"/>
+              <a:cs typeface="Avenir Medium"/>
+            </a:endParaRPr>
+          </a:p>
+        </p:txBody>
+      </p:sp>
+    </p:spTree>
+    <p:extLst>
+      <p:ext uri="{BB962C8B-B14F-4D97-AF65-F5344CB8AC3E}">
+        <p14:creationId xmlns:p14="http://schemas.microsoft.com/office/powerpoint/2010/main" val="3876569271"/>
+      </p:ext>
+    </p:extLst>
+  </p:cSld>
+  <p:clrMapOvr>
+    <a:masterClrMapping/>
+  </p:clrMapOvr>
+  <p:transition>
+    <p:random/>
+  </p:transition>
+</p:sld>
+</file>
+
+<file path=ppt/slides/slide6.xml><?xml version="1.0" encoding="utf-8"?>
+<p:sld xmlns:a="http://schemas.openxmlformats.org/drawingml/2006/main" xmlns:r="http://schemas.openxmlformats.org/officeDocument/2006/relationships" xmlns:p="http://schemas.openxmlformats.org/presentationml/2006/main">
+  <p:cSld>
+    <p:spTree>
+      <p:nvGrpSpPr>
+        <p:cNvPr id="1" name=""/>
+        <p:cNvGrpSpPr/>
+        <p:nvPr/>
+      </p:nvGrpSpPr>
+      <p:grpSpPr>
+        <a:xfrm>
+          <a:off x="0" y="0"/>
+          <a:ext cx="0" cy="0"/>
+          <a:chOff x="0" y="0"/>
+          <a:chExt cx="0" cy="0"/>
+        </a:xfrm>
+      </p:grpSpPr>
+      <p:sp>
+        <p:nvSpPr>
+          <p:cNvPr id="2" name="Title 1"/>
+          <p:cNvSpPr>
+            <a:spLocks noGrp="1"/>
+          </p:cNvSpPr>
+          <p:nvPr>
+            <p:ph type="title"/>
+          </p:nvPr>
+        </p:nvSpPr>
+        <p:spPr>
+          <a:xfrm>
+            <a:off x="533400" y="0"/>
+            <a:ext cx="8382000" cy="1219200"/>
+          </a:xfrm>
+        </p:spPr>
+        <p:txBody>
+          <a:bodyPr anchor="ctr">
+            <a:normAutofit/>
+          </a:bodyPr>
+          <a:lstStyle/>
+          <a:p>
+            <a:pPr algn="ctr"/>
+            <a:r>
+              <a:rPr lang="en-US" dirty="0">
+                <a:latin typeface="Arial Unicode MS" panose="020B0604020202020204" pitchFamily="34" charset="-128"/>
+                <a:ea typeface="Arial Unicode MS" panose="020B0604020202020204" pitchFamily="34" charset="-128"/>
+                <a:cs typeface="Arial Unicode MS" panose="020B0604020202020204" pitchFamily="34" charset="-128"/>
+              </a:rPr>
+              <a:t>More Comprehensive Resources on Linear Regression</a:t>
+            </a:r>
+            <a:endParaRPr lang="en-US" sz="3600" b="1" dirty="0">
+              <a:latin typeface="Arial Unicode MS" panose="020B0604020202020204" pitchFamily="34" charset="-128"/>
+              <a:ea typeface="Arial Unicode MS" panose="020B0604020202020204" pitchFamily="34" charset="-128"/>
+              <a:cs typeface="Arial Unicode MS" panose="020B0604020202020204" pitchFamily="34" charset="-128"/>
+            </a:endParaRPr>
+          </a:p>
+        </p:txBody>
+      </p:sp>
+      <p:sp>
+        <p:nvSpPr>
+          <p:cNvPr id="3" name="Text Placeholder 2"/>
+          <p:cNvSpPr>
+            <a:spLocks noGrp="1"/>
+          </p:cNvSpPr>
+          <p:nvPr>
+            <p:ph type="body" sz="half" idx="1"/>
+          </p:nvPr>
+        </p:nvSpPr>
+        <p:spPr>
+          <a:xfrm>
+            <a:off x="685800" y="1295400"/>
+            <a:ext cx="8382000" cy="5486400"/>
+          </a:xfrm>
+        </p:spPr>
+        <p:txBody>
+          <a:bodyPr>
+            <a:normAutofit fontScale="62500" lnSpcReduction="20000"/>
+          </a:bodyPr>
+          <a:lstStyle/>
+          <a:p>
+            <a:pPr>
+              <a:lnSpc>
+                <a:spcPct val="110000"/>
+              </a:lnSpc>
+            </a:pPr>
+            <a:r>
+              <a:rPr lang="en-US" sz="3000" dirty="0"/>
+              <a:t>Jeff Webb - </a:t>
+            </a:r>
+            <a:r>
+              <a:rPr lang="en-US" sz="3000" i="1" dirty="0"/>
+              <a:t>Course Notes for IS 6489, Statistics and Predictive Analytics</a:t>
+            </a:r>
+            <a:r>
+              <a:rPr lang="en-US" sz="3000" dirty="0"/>
+              <a:t> (2017)</a:t>
+            </a:r>
+          </a:p>
+          <a:p>
+            <a:pPr lvl="1">
+              <a:lnSpc>
+                <a:spcPct val="110000"/>
+              </a:lnSpc>
+            </a:pPr>
+            <a:r>
+              <a:rPr lang="en-US" sz="2600" dirty="0"/>
+              <a:t>Chapter 6 Linear Regression</a:t>
+            </a:r>
+          </a:p>
+          <a:p>
+            <a:pPr marL="403225" lvl="1" indent="0">
+              <a:lnSpc>
+                <a:spcPct val="110000"/>
+              </a:lnSpc>
+              <a:buNone/>
+            </a:pPr>
+            <a:r>
+              <a:rPr lang="en-US" sz="2600" dirty="0">
+                <a:hlinkClick r:id="rId2"/>
+              </a:rPr>
+              <a:t>https://bookdown.org/jefftemplewebb/IS-6489/linear-regression.html</a:t>
+            </a:r>
+            <a:endParaRPr lang="en-US" sz="2600" dirty="0"/>
+          </a:p>
+          <a:p>
+            <a:pPr>
+              <a:lnSpc>
+                <a:spcPct val="110000"/>
+              </a:lnSpc>
+            </a:pPr>
+            <a:endParaRPr lang="en-US" sz="3000" dirty="0"/>
+          </a:p>
+          <a:p>
+            <a:pPr>
+              <a:lnSpc>
+                <a:spcPct val="110000"/>
+              </a:lnSpc>
+            </a:pPr>
+            <a:r>
+              <a:rPr lang="en-US" sz="3000" dirty="0"/>
+              <a:t>Chester </a:t>
+            </a:r>
+            <a:r>
+              <a:rPr lang="en-US" sz="3000" dirty="0" err="1"/>
+              <a:t>Ismay</a:t>
+            </a:r>
+            <a:r>
+              <a:rPr lang="en-US" sz="3000" dirty="0"/>
+              <a:t>, Albert Y. Kim, Frank </a:t>
+            </a:r>
+            <a:r>
+              <a:rPr lang="en-US" sz="3000" dirty="0" err="1"/>
+              <a:t>McGrade</a:t>
+            </a:r>
+            <a:r>
+              <a:rPr lang="en-US" sz="3000" dirty="0"/>
+              <a:t> - </a:t>
+            </a:r>
+            <a:r>
+              <a:rPr lang="en-US" sz="3000" i="1" dirty="0"/>
+              <a:t>An Introduction to Statistical and Data Sciences via R</a:t>
+            </a:r>
+            <a:r>
+              <a:rPr lang="en-US" sz="3000" dirty="0"/>
+              <a:t> (2017)</a:t>
+            </a:r>
+          </a:p>
+          <a:p>
+            <a:pPr lvl="1">
+              <a:lnSpc>
+                <a:spcPct val="110000"/>
+              </a:lnSpc>
+            </a:pPr>
+            <a:r>
+              <a:rPr lang="en-US" sz="2600" dirty="0"/>
+              <a:t>6 Data Modeling using Regression via broom</a:t>
+            </a:r>
+          </a:p>
+          <a:p>
+            <a:pPr marL="403225" lvl="1" indent="0">
+              <a:lnSpc>
+                <a:spcPct val="110000"/>
+              </a:lnSpc>
+              <a:buNone/>
+            </a:pPr>
+            <a:r>
+              <a:rPr lang="en-US" sz="2600" dirty="0">
+                <a:hlinkClick r:id="rId3"/>
+              </a:rPr>
+              <a:t>https://bookdown.org/fjmcgrade/ismaykim/6-regression.html</a:t>
+            </a:r>
+            <a:endParaRPr lang="en-US" sz="2600" dirty="0"/>
+          </a:p>
+          <a:p>
+            <a:pPr marL="403225" lvl="1" indent="0">
+              <a:lnSpc>
+                <a:spcPct val="110000"/>
+              </a:lnSpc>
+              <a:buNone/>
+            </a:pPr>
+            <a:endParaRPr lang="en-US" sz="2600" dirty="0"/>
+          </a:p>
+          <a:p>
+            <a:pPr>
+              <a:lnSpc>
+                <a:spcPct val="110000"/>
+              </a:lnSpc>
+            </a:pPr>
+            <a:r>
+              <a:rPr lang="en-US" sz="3000" dirty="0"/>
+              <a:t>J. Legler and P. Roback - </a:t>
+            </a:r>
+            <a:r>
+              <a:rPr lang="en-US" sz="3000" i="1" dirty="0"/>
+              <a:t>Broadening Your Statistical Horizons. Generalized Linear Models and Multilevel Models</a:t>
+            </a:r>
+            <a:r>
+              <a:rPr lang="en-US" sz="3000" dirty="0"/>
+              <a:t> (2018)</a:t>
+            </a:r>
+          </a:p>
+          <a:p>
+            <a:pPr lvl="1">
+              <a:lnSpc>
+                <a:spcPct val="110000"/>
+              </a:lnSpc>
+            </a:pPr>
+            <a:r>
+              <a:rPr lang="en-US" sz="2600" dirty="0"/>
+              <a:t>Chapter 1 Review of Multiple Linear Regression</a:t>
+            </a:r>
+          </a:p>
+          <a:p>
+            <a:pPr marL="403225" lvl="1" indent="0">
+              <a:lnSpc>
+                <a:spcPct val="110000"/>
+              </a:lnSpc>
+              <a:buNone/>
+            </a:pPr>
+            <a:r>
+              <a:rPr lang="en-US" sz="2600" dirty="0">
+                <a:hlinkClick r:id="rId4"/>
+              </a:rPr>
+              <a:t>https://bookdown.org/roback/bookdown-bysh/ch-MLRreview.html#explore</a:t>
+            </a:r>
+            <a:endParaRPr lang="en-US" sz="2600" dirty="0"/>
+          </a:p>
+          <a:p>
+            <a:pPr marL="403225" lvl="1" indent="0">
+              <a:lnSpc>
+                <a:spcPct val="110000"/>
+              </a:lnSpc>
+              <a:buNone/>
+            </a:pPr>
+            <a:endParaRPr lang="en-US" sz="2600" dirty="0"/>
+          </a:p>
+          <a:p>
+            <a:pPr>
+              <a:lnSpc>
+                <a:spcPct val="110000"/>
+              </a:lnSpc>
+            </a:pPr>
+            <a:r>
+              <a:rPr lang="en-US" sz="3000" dirty="0">
+                <a:hlinkClick r:id="rId5">
+                  <a:extLst>
+                    <a:ext uri="{A12FA001-AC4F-418D-AE19-62706E023703}">
+                      <ahyp:hlinkClr xmlns:ahyp="http://schemas.microsoft.com/office/drawing/2018/hyperlinkcolor" val="tx"/>
+                    </a:ext>
+                  </a:extLst>
+                </a:hlinkClick>
+              </a:rPr>
+              <a:t>Christopher Prener - Quantitative Analysis - Applied Inferential Statistics (lectures 12-14) </a:t>
+            </a:r>
+            <a:endParaRPr lang="en-US" sz="2600" dirty="0"/>
+          </a:p>
+          <a:p>
+            <a:pPr marL="403225" lvl="1" indent="0">
+              <a:lnSpc>
+                <a:spcPct val="110000"/>
+              </a:lnSpc>
+              <a:buNone/>
+            </a:pPr>
+            <a:r>
+              <a:rPr lang="en-US" sz="2600" dirty="0">
+                <a:hlinkClick r:id="rId5">
+                  <a:extLst>
+                    <a:ext uri="{A12FA001-AC4F-418D-AE19-62706E023703}">
+                      <ahyp:hlinkClr xmlns:ahyp="http://schemas.microsoft.com/office/drawing/2018/hyperlinkcolor" val="tx"/>
+                    </a:ext>
+                  </a:extLst>
+                </a:hlinkClick>
+              </a:rPr>
+              <a:t>https://slu-soc5050.github.io/lecture-12/</a:t>
+            </a:r>
+            <a:endParaRPr lang="en-US" sz="2600" dirty="0"/>
+          </a:p>
+          <a:p>
+            <a:pPr marL="403225" lvl="1" indent="0">
+              <a:lnSpc>
+                <a:spcPct val="110000"/>
+              </a:lnSpc>
+              <a:buNone/>
+            </a:pPr>
+            <a:endParaRPr lang="en-US" sz="2600" dirty="0"/>
+          </a:p>
+          <a:p>
+            <a:pPr marL="403225" lvl="1" indent="0">
+              <a:lnSpc>
+                <a:spcPct val="110000"/>
+              </a:lnSpc>
+              <a:buNone/>
+            </a:pPr>
+            <a:endParaRPr lang="en-US" sz="2600" dirty="0"/>
+          </a:p>
+          <a:p>
+            <a:pPr marL="403225" lvl="1" indent="0">
+              <a:lnSpc>
+                <a:spcPct val="110000"/>
+              </a:lnSpc>
+              <a:buNone/>
+            </a:pPr>
+            <a:endParaRPr lang="en-US" sz="2600" dirty="0"/>
+          </a:p>
+          <a:p>
+            <a:pPr>
+              <a:lnSpc>
+                <a:spcPct val="110000"/>
+              </a:lnSpc>
+            </a:pPr>
+            <a:endParaRPr lang="en-US" sz="3000" dirty="0"/>
+          </a:p>
+          <a:p>
+            <a:pPr marL="403225" lvl="1" indent="0">
+              <a:lnSpc>
+                <a:spcPct val="110000"/>
+              </a:lnSpc>
+              <a:buNone/>
+            </a:pPr>
+            <a:endParaRPr lang="en-US" sz="2600" dirty="0"/>
+          </a:p>
+          <a:p>
+            <a:pPr marL="403225" lvl="1" indent="0">
+              <a:lnSpc>
+                <a:spcPct val="110000"/>
+              </a:lnSpc>
+              <a:buNone/>
+            </a:pPr>
+            <a:endParaRPr lang="en-US" sz="2600" dirty="0"/>
+          </a:p>
+          <a:p>
+            <a:pPr marL="403225" lvl="1" indent="0">
+              <a:lnSpc>
+                <a:spcPct val="110000"/>
+              </a:lnSpc>
+              <a:buNone/>
+            </a:pPr>
+            <a:endParaRPr lang="en-US" sz="2600" dirty="0"/>
+          </a:p>
+          <a:p>
+            <a:pPr lvl="1">
+              <a:lnSpc>
+                <a:spcPct val="110000"/>
+              </a:lnSpc>
+            </a:pPr>
+            <a:endParaRPr lang="en-US" sz="2600" dirty="0"/>
+          </a:p>
+          <a:p>
+            <a:pPr lvl="1">
+              <a:lnSpc>
+                <a:spcPct val="110000"/>
+              </a:lnSpc>
+            </a:pPr>
+            <a:endParaRPr lang="en-US" sz="2600" dirty="0"/>
+          </a:p>
+          <a:p>
+            <a:pPr marL="82296" indent="0">
+              <a:lnSpc>
+                <a:spcPct val="110000"/>
+              </a:lnSpc>
+              <a:buNone/>
+            </a:pPr>
+            <a:endParaRPr lang="en-US" sz="2400" dirty="0"/>
+          </a:p>
+          <a:p>
+            <a:pPr marL="82296" indent="0">
+              <a:lnSpc>
+                <a:spcPct val="110000"/>
+              </a:lnSpc>
+              <a:buNone/>
+            </a:pPr>
+            <a:endParaRPr lang="en-US" sz="2400" dirty="0"/>
+          </a:p>
+          <a:p>
+            <a:pPr marL="82296" indent="0">
+              <a:buNone/>
+            </a:pPr>
+            <a:endParaRPr lang="ro-RO" sz="3000" dirty="0"/>
+          </a:p>
+        </p:txBody>
+      </p:sp>
+    </p:spTree>
+    <p:extLst>
+      <p:ext uri="{BB962C8B-B14F-4D97-AF65-F5344CB8AC3E}">
+        <p14:creationId xmlns:p14="http://schemas.microsoft.com/office/powerpoint/2010/main" val="1106932518"/>
+      </p:ext>
+    </p:extLst>
+  </p:cSld>
+  <p:clrMapOvr>
+    <a:masterClrMapping/>
+  </p:clrMapOvr>
+  <p:transition>
+    <p:random/>
+  </p:transition>
+</p:sld>
+</file>
+
+<file path=ppt/slides/slide7.xml><?xml version="1.0" encoding="utf-8"?>
+<p:sld xmlns:a="http://schemas.openxmlformats.org/drawingml/2006/main" xmlns:r="http://schemas.openxmlformats.org/officeDocument/2006/relationships" xmlns:p="http://schemas.openxmlformats.org/presentationml/2006/main">
+  <p:cSld>
+    <p:spTree>
+      <p:nvGrpSpPr>
+        <p:cNvPr id="1" name=""/>
+        <p:cNvGrpSpPr/>
+        <p:nvPr/>
+      </p:nvGrpSpPr>
+      <p:grpSpPr>
+        <a:xfrm>
+          <a:off x="0" y="0"/>
+          <a:ext cx="0" cy="0"/>
+          <a:chOff x="0" y="0"/>
+          <a:chExt cx="0" cy="0"/>
+        </a:xfrm>
+      </p:grpSpPr>
+      <p:sp>
+        <p:nvSpPr>
+          <p:cNvPr id="2" name="Title 1"/>
+          <p:cNvSpPr>
+            <a:spLocks noGrp="1"/>
+          </p:cNvSpPr>
+          <p:nvPr>
+            <p:ph type="title"/>
+          </p:nvPr>
+        </p:nvSpPr>
+        <p:spPr>
+          <a:xfrm>
+            <a:off x="533400" y="0"/>
+            <a:ext cx="8382000" cy="1219200"/>
+          </a:xfrm>
+        </p:spPr>
+        <p:txBody>
+          <a:bodyPr anchor="ctr">
+            <a:normAutofit/>
+          </a:bodyPr>
+          <a:lstStyle/>
+          <a:p>
+            <a:pPr algn="ctr"/>
+            <a:r>
+              <a:rPr lang="en-US" dirty="0">
+                <a:latin typeface="Arial Unicode MS" panose="020B0604020202020204" pitchFamily="34" charset="-128"/>
+                <a:ea typeface="Arial Unicode MS" panose="020B0604020202020204" pitchFamily="34" charset="-128"/>
+                <a:cs typeface="Arial Unicode MS" panose="020B0604020202020204" pitchFamily="34" charset="-128"/>
+              </a:rPr>
+              <a:t>Resources on `broom` package</a:t>
+            </a:r>
+            <a:endParaRPr lang="en-US" sz="3600" b="1" dirty="0">
+              <a:latin typeface="Arial Unicode MS" panose="020B0604020202020204" pitchFamily="34" charset="-128"/>
+              <a:ea typeface="Arial Unicode MS" panose="020B0604020202020204" pitchFamily="34" charset="-128"/>
+              <a:cs typeface="Arial Unicode MS" panose="020B0604020202020204" pitchFamily="34" charset="-128"/>
+            </a:endParaRPr>
+          </a:p>
+        </p:txBody>
+      </p:sp>
+      <p:sp>
+        <p:nvSpPr>
+          <p:cNvPr id="3" name="Text Placeholder 2"/>
+          <p:cNvSpPr>
+            <a:spLocks noGrp="1"/>
+          </p:cNvSpPr>
+          <p:nvPr>
+            <p:ph type="body" sz="half" idx="1"/>
+          </p:nvPr>
+        </p:nvSpPr>
+        <p:spPr>
+          <a:xfrm>
+            <a:off x="685800" y="1295400"/>
+            <a:ext cx="8382000" cy="5486400"/>
+          </a:xfrm>
+        </p:spPr>
+        <p:txBody>
+          <a:bodyPr>
+            <a:normAutofit fontScale="92500" lnSpcReduction="10000"/>
+          </a:bodyPr>
+          <a:lstStyle/>
+          <a:p>
+            <a:pPr>
+              <a:lnSpc>
+                <a:spcPct val="110000"/>
+              </a:lnSpc>
+            </a:pPr>
+            <a:r>
+              <a:rPr lang="en" sz="3000" dirty="0"/>
+              <a:t>Broom: Converting Statistical Models to Tidy Data Frames</a:t>
+            </a:r>
+            <a:endParaRPr lang="en-US" sz="2600" dirty="0"/>
+          </a:p>
+          <a:p>
+            <a:pPr marL="403225" lvl="1" indent="0">
+              <a:lnSpc>
+                <a:spcPct val="110000"/>
+              </a:lnSpc>
+              <a:buNone/>
+            </a:pPr>
+            <a:r>
+              <a:rPr lang="en-US" sz="2600" dirty="0">
+                <a:hlinkClick r:id="rId2"/>
+              </a:rPr>
+              <a:t>https://www.youtube.com/watch?v=7VGPUBWGv6g</a:t>
+            </a:r>
+            <a:endParaRPr lang="en-US" sz="2600" dirty="0"/>
+          </a:p>
+          <a:p>
+            <a:pPr>
+              <a:lnSpc>
+                <a:spcPct val="110000"/>
+              </a:lnSpc>
+            </a:pPr>
+            <a:endParaRPr lang="en" sz="3000" dirty="0"/>
+          </a:p>
+          <a:p>
+            <a:pPr>
+              <a:lnSpc>
+                <a:spcPct val="110000"/>
+              </a:lnSpc>
+            </a:pPr>
+            <a:r>
+              <a:rPr lang="en" sz="3000" dirty="0"/>
+              <a:t>The broom R package - Tidy statistical objects in R</a:t>
+            </a:r>
+          </a:p>
+          <a:p>
+            <a:pPr marL="403225" lvl="1" indent="0">
+              <a:lnSpc>
+                <a:spcPct val="110000"/>
+              </a:lnSpc>
+              <a:buNone/>
+            </a:pPr>
+            <a:r>
+              <a:rPr lang="en-US" sz="2600" dirty="0">
+                <a:hlinkClick r:id="rId3">
+                  <a:extLst>
+                    <a:ext uri="{A12FA001-AC4F-418D-AE19-62706E023703}">
+                      <ahyp:hlinkClr xmlns:ahyp="http://schemas.microsoft.com/office/drawing/2018/hyperlinkcolor" val="tx"/>
+                    </a:ext>
+                  </a:extLst>
+                </a:hlinkClick>
+              </a:rPr>
+              <a:t>https://www.youtube.com/watch?v=a-6i4N1LBUQ</a:t>
+            </a:r>
+            <a:endParaRPr lang="en-US" sz="3200" dirty="0"/>
+          </a:p>
+          <a:p>
+            <a:pPr>
+              <a:lnSpc>
+                <a:spcPct val="110000"/>
+              </a:lnSpc>
+            </a:pPr>
+            <a:endParaRPr lang="en" sz="3000" dirty="0"/>
+          </a:p>
+          <a:p>
+            <a:pPr>
+              <a:lnSpc>
+                <a:spcPct val="110000"/>
+              </a:lnSpc>
+            </a:pPr>
+            <a:r>
+              <a:rPr lang="en" sz="3000" dirty="0"/>
+              <a:t>broom: Convert Statistical Analysis Objects into Tidy Tibbles</a:t>
+            </a:r>
+            <a:endParaRPr lang="en-US" sz="2600" dirty="0"/>
+          </a:p>
+          <a:p>
+            <a:pPr marL="403225" lvl="1" indent="0">
+              <a:lnSpc>
+                <a:spcPct val="110000"/>
+              </a:lnSpc>
+              <a:buNone/>
+            </a:pPr>
+            <a:r>
+              <a:rPr lang="en-US" sz="2600" dirty="0">
+                <a:hlinkClick r:id="rId4"/>
+              </a:rPr>
+              <a:t>https://cran.r-project.org/web/packages/broom/index.html</a:t>
+            </a:r>
+            <a:endParaRPr lang="en-US" sz="2600" dirty="0"/>
+          </a:p>
+          <a:p>
+            <a:pPr marL="403225" lvl="1" indent="0">
+              <a:lnSpc>
+                <a:spcPct val="110000"/>
+              </a:lnSpc>
+              <a:buNone/>
+            </a:pPr>
+            <a:endParaRPr lang="en-US" sz="2600" dirty="0"/>
+          </a:p>
+          <a:p>
+            <a:pPr marL="403225" lvl="1" indent="0">
+              <a:lnSpc>
+                <a:spcPct val="110000"/>
+              </a:lnSpc>
+              <a:buNone/>
+            </a:pPr>
+            <a:endParaRPr lang="en-US" sz="2600" dirty="0"/>
+          </a:p>
+          <a:p>
+            <a:pPr marL="403225" lvl="1" indent="0">
+              <a:lnSpc>
+                <a:spcPct val="110000"/>
+              </a:lnSpc>
+              <a:buNone/>
+            </a:pPr>
+            <a:endParaRPr lang="en-US" sz="2600" dirty="0"/>
+          </a:p>
+          <a:p>
+            <a:pPr>
+              <a:lnSpc>
+                <a:spcPct val="110000"/>
+              </a:lnSpc>
+            </a:pPr>
+            <a:endParaRPr lang="en-US" sz="3000" dirty="0"/>
+          </a:p>
+          <a:p>
+            <a:pPr marL="403225" lvl="1" indent="0">
+              <a:lnSpc>
+                <a:spcPct val="110000"/>
+              </a:lnSpc>
+              <a:buNone/>
+            </a:pPr>
+            <a:endParaRPr lang="en-US" sz="2600" dirty="0"/>
+          </a:p>
+          <a:p>
+            <a:pPr marL="403225" lvl="1" indent="0">
+              <a:lnSpc>
+                <a:spcPct val="110000"/>
+              </a:lnSpc>
+              <a:buNone/>
+            </a:pPr>
+            <a:endParaRPr lang="en-US" sz="2600" dirty="0"/>
+          </a:p>
+          <a:p>
+            <a:pPr marL="403225" lvl="1" indent="0">
+              <a:lnSpc>
+                <a:spcPct val="110000"/>
+              </a:lnSpc>
+              <a:buNone/>
+            </a:pPr>
+            <a:endParaRPr lang="en-US" sz="2600" dirty="0"/>
+          </a:p>
+          <a:p>
+            <a:pPr lvl="1">
+              <a:lnSpc>
+                <a:spcPct val="110000"/>
+              </a:lnSpc>
+            </a:pPr>
+            <a:endParaRPr lang="en-US" sz="2600" dirty="0"/>
+          </a:p>
+          <a:p>
+            <a:pPr lvl="1">
+              <a:lnSpc>
+                <a:spcPct val="110000"/>
+              </a:lnSpc>
+            </a:pPr>
+            <a:endParaRPr lang="en-US" sz="2600" dirty="0"/>
+          </a:p>
+          <a:p>
+            <a:pPr marL="82296" indent="0">
+              <a:lnSpc>
+                <a:spcPct val="110000"/>
+              </a:lnSpc>
+              <a:buNone/>
+            </a:pPr>
+            <a:endParaRPr lang="en-US" sz="2400" dirty="0"/>
+          </a:p>
+          <a:p>
+            <a:pPr marL="82296" indent="0">
+              <a:lnSpc>
+                <a:spcPct val="110000"/>
+              </a:lnSpc>
+              <a:buNone/>
+            </a:pPr>
+            <a:endParaRPr lang="en-US" sz="2400" dirty="0"/>
+          </a:p>
+          <a:p>
+            <a:pPr marL="82296" indent="0">
+              <a:buNone/>
+            </a:pPr>
+            <a:endParaRPr lang="ro-RO" sz="3000" dirty="0"/>
+          </a:p>
+        </p:txBody>
+      </p:sp>
+    </p:spTree>
+    <p:extLst>
+      <p:ext uri="{BB962C8B-B14F-4D97-AF65-F5344CB8AC3E}">
+        <p14:creationId xmlns:p14="http://schemas.microsoft.com/office/powerpoint/2010/main" val="3446139553"/>
+      </p:ext>
+    </p:extLst>
+  </p:cSld>
+  <p:clrMapOvr>
+    <a:masterClrMapping/>
+  </p:clrMapOvr>
+  <p:transition>
+    <p:random/>
+  </p:transition>
+</p:sld>
+</file>
+
+<file path=ppt/slides/slide8.xml><?xml version="1.0" encoding="utf-8"?>
+<p:sld xmlns:a="http://schemas.openxmlformats.org/drawingml/2006/main" xmlns:r="http://schemas.openxmlformats.org/officeDocument/2006/relationships" xmlns:p="http://schemas.openxmlformats.org/presentationml/2006/main">
+  <p:cSld>
+    <p:spTree>
+      <p:nvGrpSpPr>
+        <p:cNvPr id="1" name=""/>
+        <p:cNvGrpSpPr/>
+        <p:nvPr/>
+      </p:nvGrpSpPr>
+      <p:grpSpPr>
+        <a:xfrm>
+          <a:off x="0" y="0"/>
+          <a:ext cx="0" cy="0"/>
+          <a:chOff x="0" y="0"/>
+          <a:chExt cx="0" cy="0"/>
+        </a:xfrm>
+      </p:grpSpPr>
+      <p:sp>
+        <p:nvSpPr>
+          <p:cNvPr id="2" name="Title 1"/>
+          <p:cNvSpPr>
+            <a:spLocks noGrp="1"/>
+          </p:cNvSpPr>
+          <p:nvPr>
+            <p:ph type="title"/>
+          </p:nvPr>
+        </p:nvSpPr>
+        <p:spPr>
+          <a:xfrm>
+            <a:off x="304800" y="76200"/>
+            <a:ext cx="8686800" cy="1143000"/>
+          </a:xfrm>
+        </p:spPr>
+        <p:txBody>
+          <a:bodyPr anchor="ctr">
+            <a:normAutofit/>
+          </a:bodyPr>
+          <a:lstStyle/>
+          <a:p>
+            <a:pPr algn="ctr"/>
+            <a:r>
+              <a:rPr lang="en-US" dirty="0">
+                <a:latin typeface="Arial Unicode MS" panose="020B0604020202020204" pitchFamily="34" charset="-128"/>
+                <a:ea typeface="Arial Unicode MS" panose="020B0604020202020204" pitchFamily="34" charset="-128"/>
+                <a:cs typeface="Arial Unicode MS" panose="020B0604020202020204" pitchFamily="34" charset="-128"/>
+              </a:rPr>
+              <a:t>Tutorials on Logistic Regression in R</a:t>
+            </a:r>
+          </a:p>
+        </p:txBody>
+      </p:sp>
+      <p:sp>
+        <p:nvSpPr>
+          <p:cNvPr id="7" name="Text Placeholder 2"/>
+          <p:cNvSpPr txBox="1">
+            <a:spLocks/>
+          </p:cNvSpPr>
+          <p:nvPr/>
+        </p:nvSpPr>
+        <p:spPr>
+          <a:xfrm>
+            <a:off x="533400" y="990600"/>
+            <a:ext cx="8604806" cy="5867400"/>
+          </a:xfrm>
+          <a:prstGeom prst="rect">
+            <a:avLst/>
+          </a:prstGeom>
+        </p:spPr>
+        <p:txBody>
+          <a:bodyPr>
+            <a:noAutofit/>
+          </a:bodyPr>
+          <a:lstStyle>
+            <a:lvl1pPr marL="365760" indent="-283464" algn="l" eaLnBrk="1" latinLnBrk="0" hangingPunct="1">
+              <a:lnSpc>
+                <a:spcPct val="100000"/>
+              </a:lnSpc>
+              <a:spcBef>
+                <a:spcPts val="600"/>
+              </a:spcBef>
+              <a:buClr>
+                <a:schemeClr val="accent1"/>
+              </a:buClr>
+              <a:buSzPct val="80000"/>
+              <a:buFont typeface="Wingdings 2"/>
+              <a:buChar char=""/>
+              <a:defRPr kumimoji="0" sz="3000">
+                <a:latin typeface="+mn-lt"/>
+              </a:defRPr>
+            </a:lvl1pPr>
+            <a:lvl2pPr marL="640080" lvl="1" indent="-237744" algn="l" eaLnBrk="1" latinLnBrk="0" hangingPunct="1">
+              <a:lnSpc>
+                <a:spcPct val="100000"/>
+              </a:lnSpc>
+              <a:spcBef>
+                <a:spcPts val="550"/>
+              </a:spcBef>
+              <a:buClr>
+                <a:schemeClr val="accent1"/>
+              </a:buClr>
+              <a:buFont typeface="Verdana"/>
+              <a:buChar char="◦"/>
+              <a:defRPr kumimoji="0" sz="2600">
+                <a:latin typeface="+mn-lt"/>
+              </a:defRPr>
+            </a:lvl2pPr>
+            <a:lvl3pPr marL="886968" indent="-228600" algn="l" eaLnBrk="1" latinLnBrk="0" hangingPunct="1">
+              <a:lnSpc>
+                <a:spcPct val="100000"/>
+              </a:lnSpc>
+              <a:buClr>
+                <a:schemeClr val="accent2"/>
+              </a:buClr>
+              <a:buFont typeface="Wingdings 2"/>
+              <a:buChar char=""/>
+              <a:defRPr kumimoji="0" sz="2400">
+                <a:latin typeface="+mn-lt"/>
+              </a:defRPr>
+            </a:lvl3pPr>
+            <a:lvl4pPr marL="1097280" indent="-173736" algn="l" eaLnBrk="1" latinLnBrk="0" hangingPunct="1">
+              <a:lnSpc>
+                <a:spcPct val="100000"/>
+              </a:lnSpc>
+              <a:buClr>
+                <a:schemeClr val="accent3"/>
+              </a:buClr>
+              <a:buFont typeface="Wingdings 2"/>
+              <a:buChar char=""/>
+              <a:defRPr kumimoji="0" sz="2000">
+                <a:latin typeface="+mn-lt"/>
+              </a:defRPr>
+            </a:lvl4pPr>
+            <a:lvl5pPr marL="1298448" indent="-182880" algn="l" eaLnBrk="1" latinLnBrk="0" hangingPunct="1">
+              <a:lnSpc>
+                <a:spcPct val="100000"/>
+              </a:lnSpc>
+              <a:buClr>
+                <a:schemeClr val="accent4"/>
+              </a:buClr>
+              <a:buFont typeface="Wingdings 2"/>
+              <a:buChar char=""/>
+              <a:defRPr kumimoji="0" sz="2000">
+                <a:latin typeface="+mn-lt"/>
+              </a:defRPr>
+            </a:lvl5pPr>
+            <a:lvl6pPr marL="1508760" indent="-182880">
+              <a:lnSpc>
+                <a:spcPct val="100000"/>
+              </a:lnSpc>
+              <a:spcBef>
+                <a:spcPct val="20000"/>
+              </a:spcBef>
+              <a:buClr>
+                <a:schemeClr val="accent5"/>
+              </a:buClr>
+              <a:buFont typeface="Wingdings 2"/>
+              <a:buChar char=""/>
+              <a:defRPr kumimoji="0" sz="2000">
+                <a:latin typeface="+mn-lt"/>
+              </a:defRPr>
+            </a:lvl6pPr>
+            <a:lvl7pPr marL="1719072" indent="-182880">
+              <a:lnSpc>
+                <a:spcPct val="100000"/>
+              </a:lnSpc>
+              <a:spcBef>
+                <a:spcPct val="20000"/>
+              </a:spcBef>
+              <a:buClr>
+                <a:schemeClr val="accent6"/>
+              </a:buClr>
+              <a:buFont typeface="Wingdings 2"/>
+              <a:buChar char=""/>
+              <a:defRPr kumimoji="0" sz="2000">
+                <a:latin typeface="+mn-lt"/>
+              </a:defRPr>
+            </a:lvl7pPr>
+            <a:lvl8pPr marL="1920240" indent="-182880">
+              <a:lnSpc>
+                <a:spcPct val="100000"/>
+              </a:lnSpc>
+              <a:spcBef>
+                <a:spcPct val="20000"/>
+              </a:spcBef>
+              <a:buClr>
+                <a:schemeClr val="accent6"/>
+              </a:buClr>
+              <a:buFont typeface="Wingdings 2"/>
+              <a:buChar char=""/>
+              <a:defRPr kumimoji="0" sz="2000">
+                <a:latin typeface="+mn-lt"/>
+              </a:defRPr>
+            </a:lvl8pPr>
+            <a:lvl9pPr marL="2130552" indent="-182880">
+              <a:lnSpc>
+                <a:spcPct val="100000"/>
+              </a:lnSpc>
+              <a:spcBef>
+                <a:spcPct val="20000"/>
+              </a:spcBef>
+              <a:buClr>
+                <a:schemeClr val="accent6"/>
+              </a:buClr>
+              <a:buFont typeface="Wingdings 2"/>
+              <a:buChar char=""/>
+              <a:defRPr kumimoji="0" sz="2000">
+                <a:latin typeface="+mn-lt"/>
+              </a:defRPr>
+            </a:lvl9pPr>
+            <a:extLst/>
+          </a:lstStyle>
+          <a:p>
+            <a:pPr lvl="1"/>
+            <a:endParaRPr lang="en-US" sz="1000" dirty="0">
+              <a:latin typeface="Avenir Medium"/>
+            </a:endParaRPr>
+          </a:p>
+          <a:p>
+            <a:pPr lvl="1"/>
+            <a:r>
+              <a:rPr lang="en-US" sz="2000" dirty="0">
+                <a:latin typeface="Avenir Medium"/>
+              </a:rPr>
+              <a:t>Logistic Regression</a:t>
+            </a:r>
+          </a:p>
+          <a:p>
+            <a:pPr marL="82296" indent="0">
+              <a:lnSpc>
+                <a:spcPct val="120000"/>
+              </a:lnSpc>
+              <a:buNone/>
+            </a:pPr>
+            <a:r>
+              <a:rPr lang="en-US" sz="1400" dirty="0">
+                <a:latin typeface="Avenir Book" charset="0"/>
+                <a:ea typeface="Avenir Book" charset="0"/>
+                <a:cs typeface="Avenir Book" charset="0"/>
+                <a:hlinkClick r:id="rId2"/>
+              </a:rPr>
+              <a:t>http://uc-r.github.io/logistic_regression</a:t>
+            </a:r>
+            <a:endParaRPr lang="en-US" sz="1400" dirty="0">
+              <a:latin typeface="Avenir Book" charset="0"/>
+              <a:ea typeface="Avenir Book" charset="0"/>
+              <a:cs typeface="Avenir Book" charset="0"/>
+            </a:endParaRPr>
+          </a:p>
+          <a:p>
+            <a:pPr lvl="1"/>
+            <a:endParaRPr lang="en-US" sz="2000" dirty="0">
+              <a:latin typeface="Avenir Medium"/>
+            </a:endParaRPr>
+          </a:p>
+          <a:p>
+            <a:pPr lvl="1"/>
+            <a:r>
+              <a:rPr lang="en-US" sz="2000" dirty="0" err="1">
+                <a:latin typeface="Avenir Medium"/>
+              </a:rPr>
+              <a:t>Parul</a:t>
+            </a:r>
+            <a:r>
+              <a:rPr lang="en-US" sz="2000" dirty="0">
+                <a:latin typeface="Avenir Medium"/>
+              </a:rPr>
+              <a:t> Pandey - </a:t>
+            </a:r>
+            <a:r>
+              <a:rPr lang="en" sz="2000" dirty="0">
+                <a:latin typeface="Avenir Medium"/>
+              </a:rPr>
+              <a:t>A Guide to Machine Learning in R for Beginners: Logistic Regression (2018)</a:t>
+            </a:r>
+          </a:p>
+          <a:p>
+            <a:pPr marL="82296" lvl="1" indent="0">
+              <a:lnSpc>
+                <a:spcPct val="120000"/>
+              </a:lnSpc>
+              <a:spcBef>
+                <a:spcPts val="600"/>
+              </a:spcBef>
+              <a:buSzPct val="80000"/>
+              <a:buNone/>
+            </a:pPr>
+            <a:r>
+              <a:rPr lang="en-US" sz="1400" dirty="0">
+                <a:latin typeface="Avenir Book" charset="0"/>
+                <a:hlinkClick r:id="rId3">
+                  <a:extLst>
+                    <a:ext uri="{A12FA001-AC4F-418D-AE19-62706E023703}">
+                      <ahyp:hlinkClr xmlns:ahyp="http://schemas.microsoft.com/office/drawing/2018/hyperlinkcolor" val="tx"/>
+                    </a:ext>
+                  </a:extLst>
+                </a:hlinkClick>
+              </a:rPr>
+              <a:t>https://medium.com/analytics-vidhya/a-guide-to-machine-learning-in-r-for-beginners-part-5-4c00f2366b90</a:t>
+            </a:r>
+            <a:endParaRPr lang="en-US" sz="1400" dirty="0">
+              <a:latin typeface="Avenir Book" charset="0"/>
+            </a:endParaRPr>
+          </a:p>
+          <a:p>
+            <a:pPr marL="402336" lvl="1" indent="0">
+              <a:buNone/>
+            </a:pPr>
+            <a:endParaRPr lang="en-US" sz="2000" dirty="0">
+              <a:latin typeface="Avenir Medium"/>
+            </a:endParaRPr>
+          </a:p>
+          <a:p>
+            <a:pPr lvl="1"/>
+            <a:r>
+              <a:rPr lang="en-US" sz="2000" dirty="0">
+                <a:latin typeface="Avenir Medium"/>
+              </a:rPr>
+              <a:t>Chapter 4: Classification (slides, playlist) (Hastie and </a:t>
+            </a:r>
+            <a:r>
+              <a:rPr lang="en-US" sz="2000" dirty="0" err="1">
+                <a:latin typeface="Avenir Medium"/>
+              </a:rPr>
+              <a:t>Tibshirani</a:t>
+            </a:r>
+            <a:r>
+              <a:rPr lang="en-US" sz="2000" dirty="0">
+                <a:latin typeface="Avenir Medium"/>
+              </a:rPr>
+              <a:t>)</a:t>
+            </a:r>
+          </a:p>
+          <a:p>
+            <a:pPr marL="82296" lvl="1" indent="0">
+              <a:lnSpc>
+                <a:spcPct val="120000"/>
+              </a:lnSpc>
+              <a:spcBef>
+                <a:spcPts val="600"/>
+              </a:spcBef>
+              <a:buSzPct val="80000"/>
+              <a:buNone/>
+            </a:pPr>
+            <a:r>
+              <a:rPr lang="en-US" sz="1400" dirty="0">
+                <a:latin typeface="Avenir Book" charset="0"/>
+                <a:hlinkClick r:id="rId4">
+                  <a:extLst>
+                    <a:ext uri="{A12FA001-AC4F-418D-AE19-62706E023703}">
+                      <ahyp:hlinkClr xmlns:ahyp="http://schemas.microsoft.com/office/drawing/2018/hyperlinkcolor" val="tx"/>
+                    </a:ext>
+                  </a:extLst>
+                </a:hlinkClick>
+              </a:rPr>
+              <a:t>https://class.stanford.edu/c4x/HumanitiesScience/StatLearning/asset/classification.pdf</a:t>
+            </a:r>
+          </a:p>
+          <a:p>
+            <a:pPr marL="82296" lvl="1" indent="0">
+              <a:lnSpc>
+                <a:spcPct val="120000"/>
+              </a:lnSpc>
+              <a:spcBef>
+                <a:spcPts val="600"/>
+              </a:spcBef>
+              <a:buSzPct val="80000"/>
+              <a:buNone/>
+            </a:pPr>
+            <a:r>
+              <a:rPr lang="en-US" sz="1400" dirty="0">
+                <a:latin typeface="Avenir Book" charset="0"/>
+                <a:hlinkClick r:id="rId5">
+                  <a:extLst>
+                    <a:ext uri="{A12FA001-AC4F-418D-AE19-62706E023703}">
+                      <ahyp:hlinkClr xmlns:ahyp="http://schemas.microsoft.com/office/drawing/2018/hyperlinkcolor" val="tx"/>
+                    </a:ext>
+                  </a:extLst>
+                </a:hlinkClick>
+              </a:rPr>
+              <a:t>https://www.youtube.com/watch?v=sqq21-VIa1c&amp;list=PL5-da3qGB5IC4vaDba5ClatUmFppXLAhE</a:t>
+            </a:r>
+            <a:endParaRPr lang="en-US" sz="1400" dirty="0">
+              <a:latin typeface="Avenir Book" charset="0"/>
+            </a:endParaRPr>
+          </a:p>
+          <a:p>
+            <a:pPr marL="82296" lvl="1" indent="0">
+              <a:lnSpc>
+                <a:spcPct val="120000"/>
+              </a:lnSpc>
+              <a:spcBef>
+                <a:spcPts val="600"/>
+              </a:spcBef>
+              <a:buSzPct val="80000"/>
+              <a:buNone/>
+            </a:pPr>
+            <a:r>
+              <a:rPr lang="en-US" sz="1400" dirty="0">
+                <a:latin typeface="Avenir Book" charset="0"/>
+                <a:hlinkClick r:id="rId6">
+                  <a:extLst>
+                    <a:ext uri="{A12FA001-AC4F-418D-AE19-62706E023703}">
+                      <ahyp:hlinkClr xmlns:ahyp="http://schemas.microsoft.com/office/drawing/2018/hyperlinkcolor" val="tx"/>
+                    </a:ext>
+                  </a:extLst>
+                </a:hlinkClick>
+              </a:rPr>
+              <a:t>https://www.youtube.com/watch?v=31Q5FGRnxt4&amp;list=PL5-da3qGB5IC4vaDba5ClatUmFppXLAhE</a:t>
+            </a:r>
+            <a:endParaRPr lang="en-US" sz="1400" dirty="0">
+              <a:latin typeface="Avenir Book" charset="0"/>
+            </a:endParaRPr>
+          </a:p>
+          <a:p>
+            <a:pPr marL="82296" lvl="1" indent="0">
+              <a:lnSpc>
+                <a:spcPct val="120000"/>
+              </a:lnSpc>
+              <a:spcBef>
+                <a:spcPts val="600"/>
+              </a:spcBef>
+              <a:buSzPct val="80000"/>
+              <a:buNone/>
+            </a:pPr>
+            <a:r>
+              <a:rPr lang="en-US" sz="1400" dirty="0">
+                <a:latin typeface="Avenir Book" charset="0"/>
+                <a:hlinkClick r:id="rId7">
+                  <a:extLst>
+                    <a:ext uri="{A12FA001-AC4F-418D-AE19-62706E023703}">
+                      <ahyp:hlinkClr xmlns:ahyp="http://schemas.microsoft.com/office/drawing/2018/hyperlinkcolor" val="tx"/>
+                    </a:ext>
+                  </a:extLst>
+                </a:hlinkClick>
+              </a:rPr>
+              <a:t>https://www.youtube.com/watch?v=MpX8rVv_u4E&amp;list=PL5-da3qGB5IC4vaDba5ClatUmFppXLAhE</a:t>
+            </a:r>
+            <a:endParaRPr lang="en-US" sz="1400" dirty="0">
+              <a:latin typeface="Avenir Book" charset="0"/>
+            </a:endParaRPr>
+          </a:p>
+          <a:p>
+            <a:pPr marL="82296" lvl="1" indent="0">
+              <a:lnSpc>
+                <a:spcPct val="120000"/>
+              </a:lnSpc>
+              <a:spcBef>
+                <a:spcPts val="600"/>
+              </a:spcBef>
+              <a:buSzPct val="80000"/>
+              <a:buNone/>
+            </a:pPr>
+            <a:r>
+              <a:rPr lang="en-US" sz="1400" dirty="0">
+                <a:latin typeface="Avenir Book" charset="0"/>
+                <a:hlinkClick r:id="rId8">
+                  <a:extLst>
+                    <a:ext uri="{A12FA001-AC4F-418D-AE19-62706E023703}">
+                      <ahyp:hlinkClr xmlns:ahyp="http://schemas.microsoft.com/office/drawing/2018/hyperlinkcolor" val="tx"/>
+                    </a:ext>
+                  </a:extLst>
+                </a:hlinkClick>
+              </a:rPr>
+              <a:t>https://www.youtube.com/watch?v=GavRXXEHGqU&amp;list=PL5-da3qGB5IC4vaDba5ClatUmFppXLAhE</a:t>
+            </a:r>
+            <a:endParaRPr lang="en-US" sz="1400" dirty="0">
+              <a:latin typeface="Avenir Book" charset="0"/>
+            </a:endParaRPr>
+          </a:p>
+          <a:p>
+            <a:pPr marL="82296" lvl="1" indent="0">
+              <a:lnSpc>
+                <a:spcPct val="120000"/>
+              </a:lnSpc>
+              <a:spcBef>
+                <a:spcPts val="600"/>
+              </a:spcBef>
+              <a:buSzPct val="80000"/>
+              <a:buNone/>
+            </a:pPr>
+            <a:r>
+              <a:rPr lang="en-US" sz="1400" dirty="0">
+                <a:latin typeface="Avenir Book" charset="0"/>
+                <a:hlinkClick r:id="rId9">
+                  <a:extLst>
+                    <a:ext uri="{A12FA001-AC4F-418D-AE19-62706E023703}">
+                      <ahyp:hlinkClr xmlns:ahyp="http://schemas.microsoft.com/office/drawing/2018/hyperlinkcolor" val="tx"/>
+                    </a:ext>
+                  </a:extLst>
+                </a:hlinkClick>
+              </a:rPr>
+              <a:t>https://www.youtube.com/watch?v=TxvEVc8YNlU&amp;list=PL5-da3qGB5IC4vaDba5ClatUmFppXLAhE</a:t>
+            </a:r>
+            <a:endParaRPr lang="en-US" sz="1400" dirty="0">
+              <a:latin typeface="Avenir Book" charset="0"/>
+            </a:endParaRPr>
+          </a:p>
+          <a:p>
+            <a:pPr marL="402336" lvl="1" indent="0">
+              <a:buNone/>
+            </a:pPr>
+            <a:endParaRPr lang="en-US" sz="1600" dirty="0">
+              <a:latin typeface="Avenir Medium"/>
+            </a:endParaRPr>
+          </a:p>
+          <a:p>
+            <a:pPr marL="402336" lvl="1" indent="0">
+              <a:buNone/>
+            </a:pPr>
+            <a:endParaRPr lang="en-US" sz="1600" dirty="0">
+              <a:latin typeface="Avenir Medium"/>
+            </a:endParaRPr>
+          </a:p>
+          <a:p>
+            <a:pPr marL="402336" lvl="1" indent="0">
+              <a:buNone/>
+            </a:pPr>
+            <a:endParaRPr lang="en-US" sz="1600" dirty="0">
+              <a:latin typeface="Avenir Medium"/>
+            </a:endParaRPr>
+          </a:p>
+          <a:p>
+            <a:pPr marL="402336" lvl="1" indent="0">
+              <a:buNone/>
+            </a:pPr>
+            <a:endParaRPr lang="en-US" sz="1600" dirty="0">
+              <a:latin typeface="Avenir Medium"/>
+            </a:endParaRPr>
+          </a:p>
+          <a:p>
+            <a:pPr marL="402336" lvl="1" indent="0">
+              <a:buNone/>
+            </a:pPr>
+            <a:endParaRPr lang="en-US" sz="1600" dirty="0">
+              <a:latin typeface="Avenir Medium"/>
+            </a:endParaRPr>
+          </a:p>
+          <a:p>
+            <a:pPr marL="402336" lvl="1" indent="0">
+              <a:buNone/>
+            </a:pPr>
+            <a:endParaRPr lang="en-US" sz="1600" dirty="0">
+              <a:latin typeface="Avenir Medium"/>
+            </a:endParaRPr>
+          </a:p>
+          <a:p>
+            <a:pPr lvl="1"/>
+            <a:endParaRPr lang="en-US" sz="2000" dirty="0">
+              <a:latin typeface="Avenir Medium"/>
+            </a:endParaRPr>
+          </a:p>
+          <a:p>
+            <a:pPr marL="402336" lvl="1" indent="0">
+              <a:buNone/>
+            </a:pPr>
+            <a:endParaRPr lang="en-US" sz="2000" dirty="0">
+              <a:latin typeface="Avenir Medium"/>
+            </a:endParaRPr>
+          </a:p>
+          <a:p>
+            <a:pPr marL="402336" lvl="1" indent="0">
+              <a:buNone/>
+            </a:pPr>
+            <a:endParaRPr lang="en-US" sz="2000" dirty="0">
+              <a:latin typeface="Avenir Medium"/>
+            </a:endParaRPr>
+          </a:p>
+          <a:p>
+            <a:pPr marL="402336" lvl="1" indent="0">
+              <a:buNone/>
+            </a:pPr>
+            <a:endParaRPr lang="en-US" sz="1500" dirty="0">
+              <a:latin typeface="Avenir Medium"/>
+            </a:endParaRPr>
+          </a:p>
+          <a:p>
+            <a:pPr marL="402336" lvl="1" indent="0">
+              <a:buNone/>
+            </a:pPr>
+            <a:endParaRPr lang="en-US" sz="1500" dirty="0">
+              <a:latin typeface="Avenir Medium"/>
+            </a:endParaRPr>
+          </a:p>
+          <a:p>
+            <a:pPr lvl="1">
+              <a:buFontTx/>
+              <a:buChar char="-"/>
+            </a:pPr>
+            <a:endParaRPr lang="en-US" sz="2800" dirty="0">
+              <a:latin typeface="Avenir Medium"/>
+            </a:endParaRPr>
+          </a:p>
+          <a:p>
+            <a:pPr lvl="1">
+              <a:buFontTx/>
+              <a:buChar char="-"/>
+            </a:pPr>
+            <a:endParaRPr lang="en-US" sz="1500" dirty="0">
+              <a:latin typeface="Avenir Medium"/>
+            </a:endParaRPr>
+          </a:p>
+          <a:p>
+            <a:endParaRPr lang="en-US" sz="2800" dirty="0">
+              <a:latin typeface="Avenir Medium"/>
+            </a:endParaRPr>
+          </a:p>
+          <a:p>
+            <a:pPr marL="402336" lvl="1" indent="0">
+              <a:buNone/>
+            </a:pPr>
+            <a:endParaRPr lang="en-US" sz="1500" dirty="0">
+              <a:latin typeface="Avenir Medium"/>
+            </a:endParaRPr>
+          </a:p>
+          <a:p>
+            <a:pPr marL="402336" lvl="1" indent="0">
+              <a:buNone/>
+            </a:pPr>
+            <a:endParaRPr lang="en-US" sz="1500" dirty="0">
+              <a:latin typeface="Avenir Medium"/>
+            </a:endParaRPr>
+          </a:p>
+          <a:p>
+            <a:pPr marL="402336" lvl="1" indent="0">
+              <a:buNone/>
+            </a:pPr>
+            <a:endParaRPr lang="en-US" sz="1500" dirty="0">
+              <a:latin typeface="Avenir Medium"/>
+            </a:endParaRPr>
+          </a:p>
+          <a:p>
+            <a:pPr marL="402336" lvl="1" indent="0">
+              <a:buNone/>
+            </a:pPr>
+            <a:endParaRPr lang="en-US" sz="1500" dirty="0">
+              <a:latin typeface="Avenir Medium"/>
+            </a:endParaRPr>
+          </a:p>
+          <a:p>
+            <a:pPr marL="402336" lvl="1" indent="0">
+              <a:buNone/>
+            </a:pPr>
+            <a:endParaRPr lang="en-US" sz="1500" dirty="0">
+              <a:latin typeface="Avenir Medium"/>
+            </a:endParaRPr>
+          </a:p>
+          <a:p>
+            <a:endParaRPr lang="en-US" sz="2300" dirty="0">
+              <a:latin typeface="Avenir Medium"/>
+              <a:cs typeface="Avenir Medium"/>
+            </a:endParaRPr>
+          </a:p>
+        </p:txBody>
+      </p:sp>
+    </p:spTree>
+    <p:extLst>
+      <p:ext uri="{BB962C8B-B14F-4D97-AF65-F5344CB8AC3E}">
+        <p14:creationId xmlns:p14="http://schemas.microsoft.com/office/powerpoint/2010/main" val="3536874267"/>
+      </p:ext>
+    </p:extLst>
+  </p:cSld>
+  <p:clrMapOvr>
+    <a:masterClrMapping/>
+  </p:clrMapOvr>
+  <p:transition>
+    <p:random/>
+  </p:transition>
+</p:sld>
+</file>
+
+<file path=ppt/slides/slide9.xml><?xml version="1.0" encoding="utf-8"?>
+<p:sld xmlns:a="http://schemas.openxmlformats.org/drawingml/2006/main" xmlns:r="http://schemas.openxmlformats.org/officeDocument/2006/relationships" xmlns:p="http://schemas.openxmlformats.org/presentationml/2006/main">
+  <p:cSld>
+    <p:spTree>
+      <p:nvGrpSpPr>
+        <p:cNvPr id="1" name=""/>
+        <p:cNvGrpSpPr/>
+        <p:nvPr/>
+      </p:nvGrpSpPr>
+      <p:grpSpPr>
+        <a:xfrm>
+          <a:off x="0" y="0"/>
+          <a:ext cx="0" cy="0"/>
+          <a:chOff x="0" y="0"/>
+          <a:chExt cx="0" cy="0"/>
+        </a:xfrm>
+      </p:grpSpPr>
+      <p:sp>
+        <p:nvSpPr>
+          <p:cNvPr id="2" name="Title 1"/>
+          <p:cNvSpPr>
+            <a:spLocks noGrp="1"/>
+          </p:cNvSpPr>
+          <p:nvPr>
+            <p:ph type="title"/>
+          </p:nvPr>
+        </p:nvSpPr>
+        <p:spPr>
+          <a:xfrm>
+            <a:off x="76200" y="152400"/>
+            <a:ext cx="9144000" cy="1143000"/>
+          </a:xfrm>
+        </p:spPr>
+        <p:txBody>
+          <a:bodyPr anchor="ctr">
+            <a:normAutofit/>
+          </a:bodyPr>
+          <a:lstStyle/>
+          <a:p>
+            <a:pPr algn="ctr"/>
+            <a:r>
+              <a:rPr lang="en-US" sz="3600" b="1" dirty="0">
+                <a:latin typeface="Arial Unicode MS" panose="020B0604020202020204" pitchFamily="34" charset="-128"/>
+                <a:ea typeface="Arial Unicode MS" panose="020B0604020202020204" pitchFamily="34" charset="-128"/>
+                <a:cs typeface="Arial Unicode MS" panose="020B0604020202020204" pitchFamily="34" charset="-128"/>
+              </a:rPr>
+              <a:t>R scripts associated with this presentation</a:t>
+            </a:r>
+          </a:p>
+        </p:txBody>
+      </p:sp>
+      <p:sp>
+        <p:nvSpPr>
+          <p:cNvPr id="7" name="Text Placeholder 2"/>
+          <p:cNvSpPr txBox="1">
+            <a:spLocks/>
+          </p:cNvSpPr>
+          <p:nvPr/>
+        </p:nvSpPr>
+        <p:spPr>
+          <a:xfrm>
+            <a:off x="990600" y="2133600"/>
+            <a:ext cx="8153400" cy="4114800"/>
+          </a:xfrm>
+          <a:prstGeom prst="rect">
+            <a:avLst/>
+          </a:prstGeom>
+        </p:spPr>
+        <p:txBody>
+          <a:bodyPr>
+            <a:noAutofit/>
+          </a:bodyPr>
+          <a:lstStyle>
+            <a:lvl1pPr marL="365760" indent="-283464" algn="l" eaLnBrk="1" latinLnBrk="0" hangingPunct="1">
+              <a:lnSpc>
+                <a:spcPct val="100000"/>
+              </a:lnSpc>
+              <a:spcBef>
+                <a:spcPts val="600"/>
+              </a:spcBef>
+              <a:buClr>
+                <a:schemeClr val="accent1"/>
+              </a:buClr>
+              <a:buSzPct val="80000"/>
+              <a:buFont typeface="Wingdings 2"/>
+              <a:buChar char=""/>
+              <a:defRPr kumimoji="0" sz="3000">
+                <a:latin typeface="+mn-lt"/>
+              </a:defRPr>
+            </a:lvl1pPr>
+            <a:lvl2pPr marL="640080" lvl="1" indent="-237744" algn="l" eaLnBrk="1" latinLnBrk="0" hangingPunct="1">
+              <a:lnSpc>
+                <a:spcPct val="100000"/>
+              </a:lnSpc>
+              <a:spcBef>
+                <a:spcPts val="550"/>
+              </a:spcBef>
+              <a:buClr>
+                <a:schemeClr val="accent1"/>
+              </a:buClr>
+              <a:buFont typeface="Verdana"/>
+              <a:buChar char="◦"/>
+              <a:defRPr kumimoji="0" sz="2600">
+                <a:latin typeface="+mn-lt"/>
+              </a:defRPr>
+            </a:lvl2pPr>
+            <a:lvl3pPr marL="886968" indent="-228600" algn="l" eaLnBrk="1" latinLnBrk="0" hangingPunct="1">
+              <a:lnSpc>
+                <a:spcPct val="100000"/>
+              </a:lnSpc>
+              <a:buClr>
+                <a:schemeClr val="accent2"/>
+              </a:buClr>
+              <a:buFont typeface="Wingdings 2"/>
+              <a:buChar char=""/>
+              <a:defRPr kumimoji="0" sz="2400">
+                <a:latin typeface="+mn-lt"/>
+              </a:defRPr>
+            </a:lvl3pPr>
+            <a:lvl4pPr marL="1097280" indent="-173736" algn="l" eaLnBrk="1" latinLnBrk="0" hangingPunct="1">
+              <a:lnSpc>
+                <a:spcPct val="100000"/>
+              </a:lnSpc>
+              <a:buClr>
+                <a:schemeClr val="accent3"/>
+              </a:buClr>
+              <a:buFont typeface="Wingdings 2"/>
+              <a:buChar char=""/>
+              <a:defRPr kumimoji="0" sz="2000">
+                <a:latin typeface="+mn-lt"/>
+              </a:defRPr>
+            </a:lvl4pPr>
+            <a:lvl5pPr marL="1298448" indent="-182880" algn="l" eaLnBrk="1" latinLnBrk="0" hangingPunct="1">
+              <a:lnSpc>
+                <a:spcPct val="100000"/>
+              </a:lnSpc>
+              <a:buClr>
+                <a:schemeClr val="accent4"/>
+              </a:buClr>
+              <a:buFont typeface="Wingdings 2"/>
+              <a:buChar char=""/>
+              <a:defRPr kumimoji="0" sz="2000">
+                <a:latin typeface="+mn-lt"/>
+              </a:defRPr>
+            </a:lvl5pPr>
+            <a:lvl6pPr marL="1508760" indent="-182880">
+              <a:lnSpc>
+                <a:spcPct val="100000"/>
+              </a:lnSpc>
+              <a:spcBef>
+                <a:spcPct val="20000"/>
+              </a:spcBef>
+              <a:buClr>
+                <a:schemeClr val="accent5"/>
+              </a:buClr>
+              <a:buFont typeface="Wingdings 2"/>
+              <a:buChar char=""/>
+              <a:defRPr kumimoji="0" sz="2000">
+                <a:latin typeface="+mn-lt"/>
+              </a:defRPr>
+            </a:lvl6pPr>
+            <a:lvl7pPr marL="1719072" indent="-182880">
+              <a:lnSpc>
+                <a:spcPct val="100000"/>
+              </a:lnSpc>
+              <a:spcBef>
+                <a:spcPct val="20000"/>
+              </a:spcBef>
+              <a:buClr>
+                <a:schemeClr val="accent6"/>
+              </a:buClr>
+              <a:buFont typeface="Wingdings 2"/>
+              <a:buChar char=""/>
+              <a:defRPr kumimoji="0" sz="2000">
+                <a:latin typeface="+mn-lt"/>
+              </a:defRPr>
+            </a:lvl7pPr>
+            <a:lvl8pPr marL="1920240" indent="-182880">
+              <a:lnSpc>
+                <a:spcPct val="100000"/>
+              </a:lnSpc>
+              <a:spcBef>
+                <a:spcPct val="20000"/>
+              </a:spcBef>
+              <a:buClr>
+                <a:schemeClr val="accent6"/>
+              </a:buClr>
+              <a:buFont typeface="Wingdings 2"/>
+              <a:buChar char=""/>
+              <a:defRPr kumimoji="0" sz="2000">
+                <a:latin typeface="+mn-lt"/>
+              </a:defRPr>
+            </a:lvl8pPr>
+            <a:lvl9pPr marL="2130552" indent="-182880">
+              <a:lnSpc>
+                <a:spcPct val="100000"/>
+              </a:lnSpc>
+              <a:spcBef>
+                <a:spcPct val="20000"/>
+              </a:spcBef>
+              <a:buClr>
+                <a:schemeClr val="accent6"/>
+              </a:buClr>
+              <a:buFont typeface="Wingdings 2"/>
+              <a:buChar char=""/>
+              <a:defRPr kumimoji="0" sz="2000">
+                <a:latin typeface="+mn-lt"/>
+              </a:defRPr>
+            </a:lvl9pPr>
+            <a:extLst/>
+          </a:lstStyle>
+          <a:p>
             <a:pPr marL="82296" indent="0">
               <a:buNone/>
             </a:pPr>
@@ -6137,7 +8037,7 @@
                 <a:latin typeface="Avenir Medium"/>
                 <a:cs typeface="Avenir Medium"/>
               </a:rPr>
-              <a:t>...</a:t>
+              <a:t>11c</a:t>
             </a:r>
           </a:p>
           <a:p>
